--- a/git및github첫걸음7-issuetracker.pptx
+++ b/git및github첫걸음7-issuetracker.pptx
@@ -5,16 +5,17 @@
     <p:sldMasterId id="2147483660" r:id="rId1"/>
   </p:sldMasterIdLst>
   <p:notesMasterIdLst>
-    <p:notesMasterId r:id="rId9"/>
+    <p:notesMasterId r:id="rId10"/>
   </p:notesMasterIdLst>
   <p:sldIdLst>
     <p:sldId id="369" r:id="rId2"/>
     <p:sldId id="460" r:id="rId3"/>
-    <p:sldId id="478" r:id="rId4"/>
-    <p:sldId id="479" r:id="rId5"/>
-    <p:sldId id="480" r:id="rId6"/>
-    <p:sldId id="481" r:id="rId7"/>
-    <p:sldId id="383" r:id="rId8"/>
+    <p:sldId id="482" r:id="rId4"/>
+    <p:sldId id="478" r:id="rId5"/>
+    <p:sldId id="479" r:id="rId6"/>
+    <p:sldId id="480" r:id="rId7"/>
+    <p:sldId id="481" r:id="rId8"/>
+    <p:sldId id="383" r:id="rId9"/>
   </p:sldIdLst>
   <p:sldSz cx="9144000" cy="6858000" type="screen4x3"/>
   <p:notesSz cx="6858000" cy="9144000"/>
@@ -214,7 +215,7 @@
           <a:p>
             <a:fld id="{A17B9194-BDE3-40E3-983E-94CE6FA773AF}" type="datetimeFigureOut">
               <a:rPr lang="ko-KR" altLang="en-US" smtClean="0"/>
-              <a:t>2021-04-12</a:t>
+              <a:t>2021-04-13</a:t>
             </a:fld>
             <a:endParaRPr lang="ko-KR" altLang="en-US"/>
           </a:p>
@@ -639,7 +640,7 @@
     </p:spTree>
     <p:extLst>
       <p:ext uri="{BB962C8B-B14F-4D97-AF65-F5344CB8AC3E}">
-        <p14:creationId xmlns:p14="http://schemas.microsoft.com/office/powerpoint/2010/main" val="1586128021"/>
+        <p14:creationId xmlns:p14="http://schemas.microsoft.com/office/powerpoint/2010/main" val="2705697973"/>
       </p:ext>
     </p:extLst>
   </p:cSld>
@@ -723,7 +724,7 @@
     </p:spTree>
     <p:extLst>
       <p:ext uri="{BB962C8B-B14F-4D97-AF65-F5344CB8AC3E}">
-        <p14:creationId xmlns:p14="http://schemas.microsoft.com/office/powerpoint/2010/main" val="3819136351"/>
+        <p14:creationId xmlns:p14="http://schemas.microsoft.com/office/powerpoint/2010/main" val="1586128021"/>
       </p:ext>
     </p:extLst>
   </p:cSld>
@@ -807,7 +808,7 @@
     </p:spTree>
     <p:extLst>
       <p:ext uri="{BB962C8B-B14F-4D97-AF65-F5344CB8AC3E}">
-        <p14:creationId xmlns:p14="http://schemas.microsoft.com/office/powerpoint/2010/main" val="4254404269"/>
+        <p14:creationId xmlns:p14="http://schemas.microsoft.com/office/powerpoint/2010/main" val="3819136351"/>
       </p:ext>
     </p:extLst>
   </p:cSld>
@@ -891,7 +892,7 @@
     </p:spTree>
     <p:extLst>
       <p:ext uri="{BB962C8B-B14F-4D97-AF65-F5344CB8AC3E}">
-        <p14:creationId xmlns:p14="http://schemas.microsoft.com/office/powerpoint/2010/main" val="2995877375"/>
+        <p14:creationId xmlns:p14="http://schemas.microsoft.com/office/powerpoint/2010/main" val="4254404269"/>
       </p:ext>
     </p:extLst>
   </p:cSld>
@@ -967,6 +968,90 @@
             <a:fld id="{625D4AC4-540A-4436-887D-BF6A8FCF1275}" type="slidenum">
               <a:rPr lang="ko-KR" altLang="en-US" smtClean="0"/>
               <a:t>7</a:t>
+            </a:fld>
+            <a:endParaRPr lang="ko-KR" altLang="en-US"/>
+          </a:p>
+        </p:txBody>
+      </p:sp>
+    </p:spTree>
+    <p:extLst>
+      <p:ext uri="{BB962C8B-B14F-4D97-AF65-F5344CB8AC3E}">
+        <p14:creationId xmlns:p14="http://schemas.microsoft.com/office/powerpoint/2010/main" val="2995877375"/>
+      </p:ext>
+    </p:extLst>
+  </p:cSld>
+  <p:clrMapOvr>
+    <a:masterClrMapping/>
+  </p:clrMapOvr>
+</p:notes>
+</file>
+
+<file path=ppt/notesSlides/notesSlide7.xml><?xml version="1.0" encoding="utf-8"?>
+<p:notes xmlns:a="http://schemas.openxmlformats.org/drawingml/2006/main" xmlns:r="http://schemas.openxmlformats.org/officeDocument/2006/relationships" xmlns:p="http://schemas.openxmlformats.org/presentationml/2006/main">
+  <p:cSld>
+    <p:spTree>
+      <p:nvGrpSpPr>
+        <p:cNvPr id="1" name=""/>
+        <p:cNvGrpSpPr/>
+        <p:nvPr/>
+      </p:nvGrpSpPr>
+      <p:grpSpPr>
+        <a:xfrm>
+          <a:off x="0" y="0"/>
+          <a:ext cx="0" cy="0"/>
+          <a:chOff x="0" y="0"/>
+          <a:chExt cx="0" cy="0"/>
+        </a:xfrm>
+      </p:grpSpPr>
+      <p:sp>
+        <p:nvSpPr>
+          <p:cNvPr id="2" name="슬라이드 이미지 개체 틀 1"/>
+          <p:cNvSpPr>
+            <a:spLocks noGrp="1" noRot="1" noChangeAspect="1"/>
+          </p:cNvSpPr>
+          <p:nvPr>
+            <p:ph type="sldImg"/>
+          </p:nvPr>
+        </p:nvSpPr>
+        <p:spPr/>
+      </p:sp>
+      <p:sp>
+        <p:nvSpPr>
+          <p:cNvPr id="3" name="슬라이드 노트 개체 틀 2"/>
+          <p:cNvSpPr>
+            <a:spLocks noGrp="1"/>
+          </p:cNvSpPr>
+          <p:nvPr>
+            <p:ph type="body" idx="1"/>
+          </p:nvPr>
+        </p:nvSpPr>
+        <p:spPr/>
+        <p:txBody>
+          <a:bodyPr/>
+          <a:lstStyle/>
+          <a:p>
+            <a:endParaRPr lang="ko-KR" altLang="en-US" dirty="0"/>
+          </a:p>
+        </p:txBody>
+      </p:sp>
+      <p:sp>
+        <p:nvSpPr>
+          <p:cNvPr id="4" name="슬라이드 번호 개체 틀 3"/>
+          <p:cNvSpPr>
+            <a:spLocks noGrp="1"/>
+          </p:cNvSpPr>
+          <p:nvPr>
+            <p:ph type="sldNum" sz="quarter" idx="10"/>
+          </p:nvPr>
+        </p:nvSpPr>
+        <p:spPr/>
+        <p:txBody>
+          <a:bodyPr/>
+          <a:lstStyle/>
+          <a:p>
+            <a:fld id="{625D4AC4-540A-4436-887D-BF6A8FCF1275}" type="slidenum">
+              <a:rPr lang="ko-KR" altLang="en-US" smtClean="0"/>
+              <a:t>8</a:t>
             </a:fld>
             <a:endParaRPr lang="ko-KR" altLang="en-US"/>
           </a:p>
@@ -1548,7 +1633,7 @@
           <a:p>
             <a:fld id="{30E72A5D-AC2D-4154-80BD-D3C3745E4EB5}" type="datetimeFigureOut">
               <a:rPr lang="ko-KR" altLang="en-US" smtClean="0"/>
-              <a:t>2021-04-12</a:t>
+              <a:t>2021-04-13</a:t>
             </a:fld>
             <a:endParaRPr lang="ko-KR" altLang="en-US"/>
           </a:p>
@@ -1761,7 +1846,7 @@
           <a:p>
             <a:fld id="{30E72A5D-AC2D-4154-80BD-D3C3745E4EB5}" type="datetimeFigureOut">
               <a:rPr lang="ko-KR" altLang="en-US" smtClean="0"/>
-              <a:t>2021-04-12</a:t>
+              <a:t>2021-04-13</a:t>
             </a:fld>
             <a:endParaRPr lang="ko-KR" altLang="en-US"/>
           </a:p>
@@ -2270,7 +2355,7 @@
         <p:spPr>
           <a:xfrm>
             <a:off x="341787" y="1120545"/>
-            <a:ext cx="8642350" cy="3953260"/>
+            <a:ext cx="8642350" cy="1448484"/>
           </a:xfrm>
           <a:prstGeom prst="rect">
             <a:avLst/>
@@ -2421,31 +2506,20 @@
           </a:lstStyle>
           <a:p>
             <a:r>
-              <a:rPr lang="en-US" altLang="ko-KR" dirty="0" smtClean="0"/>
-              <a:t>Issue Track </a:t>
-            </a:r>
-            <a:r>
-              <a:rPr lang="ko-KR" altLang="en-US" dirty="0" smtClean="0"/>
-              <a:t>목적</a:t>
-            </a:r>
-            <a:endParaRPr lang="en-US" altLang="ko-KR" dirty="0"/>
+              <a:rPr lang="en-US" altLang="ko-KR" dirty="0"/>
+              <a:t>Watch</a:t>
+            </a:r>
           </a:p>
           <a:p>
             <a:pPr lvl="1"/>
             <a:r>
-              <a:rPr lang="en-US" altLang="ko-KR" dirty="0" smtClean="0">
-                <a:latin typeface="+mn-ea"/>
-              </a:rPr>
-              <a:t>Bug </a:t>
-            </a:r>
-            <a:r>
-              <a:rPr lang="ko-KR" altLang="en-US" dirty="0" smtClean="0">
-                <a:latin typeface="+mn-ea"/>
-              </a:rPr>
-              <a:t>추적의 목적</a:t>
-            </a:r>
-            <a:r>
-              <a:rPr lang="en-US" altLang="ko-KR" dirty="0" smtClean="0">
+              <a:rPr lang="ko-KR" altLang="en-US" dirty="0">
+                <a:latin typeface="+mn-ea"/>
+              </a:rPr>
+              <a:t>메일 수신</a:t>
+            </a:r>
+            <a:r>
+              <a:rPr lang="en-US" altLang="ko-KR" dirty="0">
                 <a:latin typeface="+mn-ea"/>
               </a:rPr>
               <a:t> </a:t>
@@ -2454,40 +2528,23 @@
           <a:p>
             <a:pPr lvl="1"/>
             <a:r>
-              <a:rPr lang="ko-KR" altLang="en-US" dirty="0" smtClean="0">
-                <a:latin typeface="+mn-ea"/>
-              </a:rPr>
-              <a:t>요청 사항 기입</a:t>
-            </a:r>
-            <a:endParaRPr lang="en-US" altLang="ko-KR" dirty="0" smtClean="0">
+              <a:rPr lang="ko-KR" altLang="en-US" dirty="0" err="1">
+                <a:latin typeface="+mn-ea"/>
+              </a:rPr>
+              <a:t>웹수신</a:t>
+            </a:r>
+            <a:r>
+              <a:rPr lang="ko-KR" altLang="en-US" dirty="0">
+                <a:latin typeface="+mn-ea"/>
+              </a:rPr>
+              <a:t> 등</a:t>
+            </a:r>
+            <a:endParaRPr lang="en-US" altLang="ko-KR" dirty="0">
               <a:latin typeface="+mn-ea"/>
             </a:endParaRPr>
           </a:p>
           <a:p>
             <a:pPr lvl="1"/>
-            <a:r>
-              <a:rPr lang="ko-KR" altLang="en-US" dirty="0" smtClean="0">
-                <a:latin typeface="+mn-ea"/>
-              </a:rPr>
-              <a:t>토론의 장</a:t>
-            </a:r>
-            <a:endParaRPr lang="en-US" altLang="ko-KR" dirty="0" smtClean="0">
-              <a:latin typeface="+mn-ea"/>
-            </a:endParaRPr>
-          </a:p>
-          <a:p>
-            <a:pPr lvl="1"/>
-            <a:r>
-              <a:rPr lang="ko-KR" altLang="en-US" dirty="0" smtClean="0">
-                <a:latin typeface="+mn-ea"/>
-              </a:rPr>
-              <a:t>기타 기록 정리</a:t>
-            </a:r>
-            <a:endParaRPr lang="en-US" altLang="ko-KR" dirty="0">
-              <a:latin typeface="+mn-ea"/>
-            </a:endParaRPr>
-          </a:p>
-          <a:p>
             <a:endParaRPr lang="en-US" altLang="ko-KR" dirty="0">
               <a:latin typeface="+mn-ea"/>
             </a:endParaRPr>
@@ -2534,35 +2591,6 @@
           </a:p>
           <a:p>
             <a:pPr lvl="1"/>
-            <a:r>
-              <a:rPr lang="en-US" altLang="ko-KR" dirty="0" smtClean="0">
-                <a:solidFill>
-                  <a:srgbClr val="FF0000"/>
-                </a:solidFill>
-                <a:latin typeface="+mn-ea"/>
-              </a:rPr>
-              <a:t>Discussions</a:t>
-            </a:r>
-            <a:r>
-              <a:rPr lang="ko-KR" altLang="en-US" dirty="0" smtClean="0">
-                <a:solidFill>
-                  <a:srgbClr val="FF0000"/>
-                </a:solidFill>
-                <a:latin typeface="+mn-ea"/>
-              </a:rPr>
-              <a:t>의 차이 확인 필</a:t>
-            </a:r>
-            <a:endParaRPr lang="en-US" altLang="ko-KR" dirty="0">
-              <a:solidFill>
-                <a:srgbClr val="FF0000"/>
-              </a:solidFill>
-              <a:latin typeface="+mn-ea"/>
-            </a:endParaRPr>
-          </a:p>
-          <a:p>
-            <a:pPr marL="266700" lvl="1" indent="0">
-              <a:buNone/>
-            </a:pPr>
             <a:endParaRPr lang="en-US" altLang="ko-KR" dirty="0">
               <a:latin typeface="+mn-ea"/>
             </a:endParaRPr>
@@ -2638,10 +2666,599 @@
           <a:lstStyle/>
           <a:p>
             <a:r>
-              <a:rPr lang="en-US" altLang="ko-KR" dirty="0" smtClean="0"/>
-              <a:t>Issue Tracker</a:t>
+              <a:rPr lang="en-US" altLang="ko-KR" dirty="0"/>
+              <a:t>Watch, Star, Fork</a:t>
             </a:r>
             <a:endParaRPr lang="ko-KR" altLang="en-US" dirty="0"/>
+          </a:p>
+        </p:txBody>
+      </p:sp>
+      <p:sp>
+        <p:nvSpPr>
+          <p:cNvPr id="5" name="내용 개체 틀 2">
+            <a:extLst>
+              <a:ext uri="{FF2B5EF4-FFF2-40B4-BE49-F238E27FC236}">
+                <a16:creationId xmlns:a16="http://schemas.microsoft.com/office/drawing/2014/main" id="{7684A967-A55F-4309-8164-8D053CD283EF}"/>
+              </a:ext>
+            </a:extLst>
+          </p:cNvPr>
+          <p:cNvSpPr txBox="1">
+            <a:spLocks/>
+          </p:cNvSpPr>
+          <p:nvPr/>
+        </p:nvSpPr>
+        <p:spPr>
+          <a:xfrm>
+            <a:off x="341787" y="2704758"/>
+            <a:ext cx="8642350" cy="1448484"/>
+          </a:xfrm>
+          <a:prstGeom prst="rect">
+            <a:avLst/>
+          </a:prstGeom>
+        </p:spPr>
+        <p:txBody>
+          <a:bodyPr vert="horz" lIns="91440" tIns="45720" rIns="91440" bIns="45720" rtlCol="0">
+            <a:noAutofit/>
+          </a:bodyPr>
+          <a:lstStyle>
+            <a:lvl1pPr marL="266700" indent="-266700" defTabSz="914400" latinLnBrk="1">
+              <a:lnSpc>
+                <a:spcPct val="150000"/>
+              </a:lnSpc>
+              <a:spcBef>
+                <a:spcPct val="0"/>
+              </a:spcBef>
+              <a:buClr>
+                <a:schemeClr val="tx1">
+                  <a:lumMod val="65000"/>
+                  <a:lumOff val="35000"/>
+                </a:schemeClr>
+              </a:buClr>
+              <a:buFont typeface="Wingdings" pitchFamily="2" charset="2"/>
+              <a:buChar char="n"/>
+              <a:defRPr sz="2000" b="1">
+                <a:latin typeface="+mn-ea"/>
+              </a:defRPr>
+            </a:lvl1pPr>
+            <a:lvl2pPr marL="447675" lvl="1" indent="-180975" defTabSz="914400" latinLnBrk="1">
+              <a:lnSpc>
+                <a:spcPct val="150000"/>
+              </a:lnSpc>
+              <a:spcBef>
+                <a:spcPts val="0"/>
+              </a:spcBef>
+              <a:spcAft>
+                <a:spcPts val="0"/>
+              </a:spcAft>
+              <a:buClr>
+                <a:schemeClr val="tx1">
+                  <a:lumMod val="50000"/>
+                  <a:lumOff val="50000"/>
+                </a:schemeClr>
+              </a:buClr>
+              <a:buFont typeface="Wingdings" pitchFamily="2" charset="2"/>
+              <a:buChar char="§"/>
+              <a:defRPr sz="1600"/>
+            </a:lvl2pPr>
+            <a:lvl3pPr marL="628650" indent="-180975" defTabSz="914400" latinLnBrk="1">
+              <a:lnSpc>
+                <a:spcPct val="150000"/>
+              </a:lnSpc>
+              <a:spcBef>
+                <a:spcPts val="500"/>
+              </a:spcBef>
+              <a:spcAft>
+                <a:spcPts val="300"/>
+              </a:spcAft>
+              <a:buClr>
+                <a:schemeClr val="tx1">
+                  <a:lumMod val="65000"/>
+                  <a:lumOff val="35000"/>
+                </a:schemeClr>
+              </a:buClr>
+              <a:buFont typeface="Arial" panose="020B0604020202020204" pitchFamily="34" charset="0"/>
+              <a:buChar char="•"/>
+              <a:defRPr sz="1400"/>
+            </a:lvl3pPr>
+            <a:lvl4pPr marL="809625" indent="-180975" defTabSz="914400" latinLnBrk="1">
+              <a:lnSpc>
+                <a:spcPct val="150000"/>
+              </a:lnSpc>
+              <a:spcBef>
+                <a:spcPts val="500"/>
+              </a:spcBef>
+              <a:spcAft>
+                <a:spcPts val="300"/>
+              </a:spcAft>
+              <a:buClr>
+                <a:schemeClr val="tx1">
+                  <a:lumMod val="65000"/>
+                  <a:lumOff val="35000"/>
+                </a:schemeClr>
+              </a:buClr>
+              <a:buSzPct val="96000"/>
+              <a:buFont typeface="Arial" panose="020B0604020202020204" pitchFamily="34" charset="0"/>
+              <a:buChar char="•"/>
+              <a:defRPr sz="1200"/>
+            </a:lvl4pPr>
+            <a:lvl5pPr marL="990600" indent="-180975" defTabSz="914400" latinLnBrk="1">
+              <a:lnSpc>
+                <a:spcPct val="150000"/>
+              </a:lnSpc>
+              <a:spcBef>
+                <a:spcPts val="500"/>
+              </a:spcBef>
+              <a:buClr>
+                <a:schemeClr val="tx1">
+                  <a:lumMod val="65000"/>
+                  <a:lumOff val="35000"/>
+                </a:schemeClr>
+              </a:buClr>
+              <a:buFont typeface="Arial" panose="020B0604020202020204" pitchFamily="34" charset="0"/>
+              <a:buChar char="•"/>
+              <a:defRPr sz="1000"/>
+            </a:lvl5pPr>
+            <a:lvl6pPr marL="2514600" indent="-228600" defTabSz="914400" latinLnBrk="1">
+              <a:lnSpc>
+                <a:spcPct val="90000"/>
+              </a:lnSpc>
+              <a:spcBef>
+                <a:spcPts val="500"/>
+              </a:spcBef>
+              <a:buFont typeface="Arial" panose="020B0604020202020204" pitchFamily="34" charset="0"/>
+              <a:buChar char="•"/>
+            </a:lvl6pPr>
+            <a:lvl7pPr marL="2971800" indent="-228600" defTabSz="914400" latinLnBrk="1">
+              <a:lnSpc>
+                <a:spcPct val="90000"/>
+              </a:lnSpc>
+              <a:spcBef>
+                <a:spcPts val="500"/>
+              </a:spcBef>
+              <a:buFont typeface="Arial" panose="020B0604020202020204" pitchFamily="34" charset="0"/>
+              <a:buChar char="•"/>
+            </a:lvl7pPr>
+            <a:lvl8pPr marL="3429000" indent="-228600" defTabSz="914400" latinLnBrk="1">
+              <a:lnSpc>
+                <a:spcPct val="90000"/>
+              </a:lnSpc>
+              <a:spcBef>
+                <a:spcPts val="500"/>
+              </a:spcBef>
+              <a:buFont typeface="Arial" panose="020B0604020202020204" pitchFamily="34" charset="0"/>
+              <a:buChar char="•"/>
+            </a:lvl8pPr>
+            <a:lvl9pPr marL="3886200" indent="-228600" defTabSz="914400" latinLnBrk="1">
+              <a:lnSpc>
+                <a:spcPct val="90000"/>
+              </a:lnSpc>
+              <a:spcBef>
+                <a:spcPts val="500"/>
+              </a:spcBef>
+              <a:buFont typeface="Arial" panose="020B0604020202020204" pitchFamily="34" charset="0"/>
+              <a:buChar char="•"/>
+            </a:lvl9pPr>
+          </a:lstStyle>
+          <a:p>
+            <a:r>
+              <a:rPr lang="en-US" altLang="ko-KR" dirty="0"/>
+              <a:t>Star</a:t>
+            </a:r>
+          </a:p>
+          <a:p>
+            <a:pPr lvl="1"/>
+            <a:r>
+              <a:rPr lang="ko-KR" altLang="en-US" dirty="0">
+                <a:latin typeface="+mn-ea"/>
+              </a:rPr>
+              <a:t>좋아하는 </a:t>
+            </a:r>
+            <a:r>
+              <a:rPr lang="en-US" altLang="ko-KR" dirty="0">
+                <a:latin typeface="+mn-ea"/>
+              </a:rPr>
+              <a:t>Repo</a:t>
+            </a:r>
+          </a:p>
+          <a:p>
+            <a:pPr lvl="1"/>
+            <a:r>
+              <a:rPr lang="ko-KR" altLang="en-US" dirty="0">
+                <a:latin typeface="+mn-ea"/>
+              </a:rPr>
+              <a:t> </a:t>
+            </a:r>
+            <a:endParaRPr lang="en-US" altLang="ko-KR" dirty="0">
+              <a:latin typeface="+mn-ea"/>
+            </a:endParaRPr>
+          </a:p>
+          <a:p>
+            <a:pPr lvl="1"/>
+            <a:endParaRPr lang="en-US" altLang="ko-KR" dirty="0">
+              <a:latin typeface="+mn-ea"/>
+            </a:endParaRPr>
+          </a:p>
+          <a:p>
+            <a:pPr lvl="1"/>
+            <a:endParaRPr lang="en-US" altLang="ko-KR" dirty="0">
+              <a:latin typeface="+mn-ea"/>
+            </a:endParaRPr>
+          </a:p>
+          <a:p>
+            <a:pPr lvl="1"/>
+            <a:endParaRPr lang="en-US" altLang="ko-KR" dirty="0">
+              <a:latin typeface="+mn-ea"/>
+            </a:endParaRPr>
+          </a:p>
+          <a:p>
+            <a:pPr marL="266700" lvl="1" indent="0">
+              <a:buNone/>
+            </a:pPr>
+            <a:endParaRPr lang="en-US" altLang="ko-KR" dirty="0">
+              <a:latin typeface="+mn-ea"/>
+            </a:endParaRPr>
+          </a:p>
+          <a:p>
+            <a:pPr marL="266700" lvl="1" indent="0">
+              <a:buNone/>
+            </a:pPr>
+            <a:endParaRPr lang="en-US" altLang="ko-KR" sz="1000" dirty="0">
+              <a:latin typeface="+mn-ea"/>
+            </a:endParaRPr>
+          </a:p>
+          <a:p>
+            <a:pPr lvl="1"/>
+            <a:endParaRPr lang="en-US" altLang="ko-KR" dirty="0">
+              <a:latin typeface="+mn-ea"/>
+            </a:endParaRPr>
+          </a:p>
+          <a:p>
+            <a:pPr lvl="1"/>
+            <a:endParaRPr lang="en-US" altLang="ko-KR" dirty="0">
+              <a:latin typeface="+mn-ea"/>
+            </a:endParaRPr>
+          </a:p>
+          <a:p>
+            <a:pPr lvl="1"/>
+            <a:endParaRPr lang="en-US" altLang="ko-KR" dirty="0">
+              <a:latin typeface="+mn-ea"/>
+            </a:endParaRPr>
+          </a:p>
+          <a:p>
+            <a:pPr marL="266700" lvl="1" indent="0">
+              <a:buNone/>
+            </a:pPr>
+            <a:endParaRPr lang="en-US" altLang="ko-KR" dirty="0">
+              <a:latin typeface="+mn-ea"/>
+            </a:endParaRPr>
+          </a:p>
+          <a:p>
+            <a:pPr marL="266700" lvl="1" indent="0">
+              <a:buNone/>
+            </a:pPr>
+            <a:endParaRPr lang="en-US" altLang="ko-KR" dirty="0">
+              <a:latin typeface="+mn-ea"/>
+            </a:endParaRPr>
+          </a:p>
+          <a:p>
+            <a:pPr marL="266700" lvl="1" indent="0">
+              <a:buNone/>
+            </a:pPr>
+            <a:endParaRPr lang="en-US" altLang="ko-KR" dirty="0">
+              <a:latin typeface="+mn-ea"/>
+            </a:endParaRPr>
+          </a:p>
+          <a:p>
+            <a:pPr marL="266700" lvl="1" indent="0">
+              <a:buNone/>
+            </a:pPr>
+            <a:endParaRPr lang="en-US" altLang="ko-KR" dirty="0">
+              <a:latin typeface="+mn-ea"/>
+            </a:endParaRPr>
+          </a:p>
+          <a:p>
+            <a:pPr marL="266700" lvl="1" indent="0">
+              <a:buNone/>
+            </a:pPr>
+            <a:endParaRPr lang="en-US" altLang="ko-KR" dirty="0">
+              <a:latin typeface="+mn-ea"/>
+            </a:endParaRPr>
+          </a:p>
+        </p:txBody>
+      </p:sp>
+      <p:sp>
+        <p:nvSpPr>
+          <p:cNvPr id="6" name="내용 개체 틀 2">
+            <a:extLst>
+              <a:ext uri="{FF2B5EF4-FFF2-40B4-BE49-F238E27FC236}">
+                <a16:creationId xmlns:a16="http://schemas.microsoft.com/office/drawing/2014/main" id="{2B0D40BD-4EE0-43DD-9C3C-ED701BBAF761}"/>
+              </a:ext>
+            </a:extLst>
+          </p:cNvPr>
+          <p:cNvSpPr txBox="1">
+            <a:spLocks/>
+          </p:cNvSpPr>
+          <p:nvPr/>
+        </p:nvSpPr>
+        <p:spPr>
+          <a:xfrm>
+            <a:off x="341787" y="4424701"/>
+            <a:ext cx="8642350" cy="1448484"/>
+          </a:xfrm>
+          <a:prstGeom prst="rect">
+            <a:avLst/>
+          </a:prstGeom>
+        </p:spPr>
+        <p:txBody>
+          <a:bodyPr vert="horz" lIns="91440" tIns="45720" rIns="91440" bIns="45720" rtlCol="0">
+            <a:noAutofit/>
+          </a:bodyPr>
+          <a:lstStyle>
+            <a:lvl1pPr marL="266700" indent="-266700" defTabSz="914400" latinLnBrk="1">
+              <a:lnSpc>
+                <a:spcPct val="150000"/>
+              </a:lnSpc>
+              <a:spcBef>
+                <a:spcPct val="0"/>
+              </a:spcBef>
+              <a:buClr>
+                <a:schemeClr val="tx1">
+                  <a:lumMod val="65000"/>
+                  <a:lumOff val="35000"/>
+                </a:schemeClr>
+              </a:buClr>
+              <a:buFont typeface="Wingdings" pitchFamily="2" charset="2"/>
+              <a:buChar char="n"/>
+              <a:defRPr sz="2000" b="1">
+                <a:latin typeface="+mn-ea"/>
+              </a:defRPr>
+            </a:lvl1pPr>
+            <a:lvl2pPr marL="447675" lvl="1" indent="-180975" defTabSz="914400" latinLnBrk="1">
+              <a:lnSpc>
+                <a:spcPct val="150000"/>
+              </a:lnSpc>
+              <a:spcBef>
+                <a:spcPts val="0"/>
+              </a:spcBef>
+              <a:spcAft>
+                <a:spcPts val="0"/>
+              </a:spcAft>
+              <a:buClr>
+                <a:schemeClr val="tx1">
+                  <a:lumMod val="50000"/>
+                  <a:lumOff val="50000"/>
+                </a:schemeClr>
+              </a:buClr>
+              <a:buFont typeface="Wingdings" pitchFamily="2" charset="2"/>
+              <a:buChar char="§"/>
+              <a:defRPr sz="1600"/>
+            </a:lvl2pPr>
+            <a:lvl3pPr marL="628650" indent="-180975" defTabSz="914400" latinLnBrk="1">
+              <a:lnSpc>
+                <a:spcPct val="150000"/>
+              </a:lnSpc>
+              <a:spcBef>
+                <a:spcPts val="500"/>
+              </a:spcBef>
+              <a:spcAft>
+                <a:spcPts val="300"/>
+              </a:spcAft>
+              <a:buClr>
+                <a:schemeClr val="tx1">
+                  <a:lumMod val="65000"/>
+                  <a:lumOff val="35000"/>
+                </a:schemeClr>
+              </a:buClr>
+              <a:buFont typeface="Arial" panose="020B0604020202020204" pitchFamily="34" charset="0"/>
+              <a:buChar char="•"/>
+              <a:defRPr sz="1400"/>
+            </a:lvl3pPr>
+            <a:lvl4pPr marL="809625" indent="-180975" defTabSz="914400" latinLnBrk="1">
+              <a:lnSpc>
+                <a:spcPct val="150000"/>
+              </a:lnSpc>
+              <a:spcBef>
+                <a:spcPts val="500"/>
+              </a:spcBef>
+              <a:spcAft>
+                <a:spcPts val="300"/>
+              </a:spcAft>
+              <a:buClr>
+                <a:schemeClr val="tx1">
+                  <a:lumMod val="65000"/>
+                  <a:lumOff val="35000"/>
+                </a:schemeClr>
+              </a:buClr>
+              <a:buSzPct val="96000"/>
+              <a:buFont typeface="Arial" panose="020B0604020202020204" pitchFamily="34" charset="0"/>
+              <a:buChar char="•"/>
+              <a:defRPr sz="1200"/>
+            </a:lvl4pPr>
+            <a:lvl5pPr marL="990600" indent="-180975" defTabSz="914400" latinLnBrk="1">
+              <a:lnSpc>
+                <a:spcPct val="150000"/>
+              </a:lnSpc>
+              <a:spcBef>
+                <a:spcPts val="500"/>
+              </a:spcBef>
+              <a:buClr>
+                <a:schemeClr val="tx1">
+                  <a:lumMod val="65000"/>
+                  <a:lumOff val="35000"/>
+                </a:schemeClr>
+              </a:buClr>
+              <a:buFont typeface="Arial" panose="020B0604020202020204" pitchFamily="34" charset="0"/>
+              <a:buChar char="•"/>
+              <a:defRPr sz="1000"/>
+            </a:lvl5pPr>
+            <a:lvl6pPr marL="2514600" indent="-228600" defTabSz="914400" latinLnBrk="1">
+              <a:lnSpc>
+                <a:spcPct val="90000"/>
+              </a:lnSpc>
+              <a:spcBef>
+                <a:spcPts val="500"/>
+              </a:spcBef>
+              <a:buFont typeface="Arial" panose="020B0604020202020204" pitchFamily="34" charset="0"/>
+              <a:buChar char="•"/>
+            </a:lvl6pPr>
+            <a:lvl7pPr marL="2971800" indent="-228600" defTabSz="914400" latinLnBrk="1">
+              <a:lnSpc>
+                <a:spcPct val="90000"/>
+              </a:lnSpc>
+              <a:spcBef>
+                <a:spcPts val="500"/>
+              </a:spcBef>
+              <a:buFont typeface="Arial" panose="020B0604020202020204" pitchFamily="34" charset="0"/>
+              <a:buChar char="•"/>
+            </a:lvl7pPr>
+            <a:lvl8pPr marL="3429000" indent="-228600" defTabSz="914400" latinLnBrk="1">
+              <a:lnSpc>
+                <a:spcPct val="90000"/>
+              </a:lnSpc>
+              <a:spcBef>
+                <a:spcPts val="500"/>
+              </a:spcBef>
+              <a:buFont typeface="Arial" panose="020B0604020202020204" pitchFamily="34" charset="0"/>
+              <a:buChar char="•"/>
+            </a:lvl8pPr>
+            <a:lvl9pPr marL="3886200" indent="-228600" defTabSz="914400" latinLnBrk="1">
+              <a:lnSpc>
+                <a:spcPct val="90000"/>
+              </a:lnSpc>
+              <a:spcBef>
+                <a:spcPts val="500"/>
+              </a:spcBef>
+              <a:buFont typeface="Arial" panose="020B0604020202020204" pitchFamily="34" charset="0"/>
+              <a:buChar char="•"/>
+            </a:lvl9pPr>
+          </a:lstStyle>
+          <a:p>
+            <a:r>
+              <a:rPr lang="en-US" altLang="ko-KR" dirty="0"/>
+              <a:t>Fork</a:t>
+            </a:r>
+          </a:p>
+          <a:p>
+            <a:pPr lvl="1"/>
+            <a:r>
+              <a:rPr lang="en-US" altLang="ko-KR" dirty="0">
+                <a:latin typeface="+mn-ea"/>
+              </a:rPr>
+              <a:t>Fork</a:t>
+            </a:r>
+            <a:r>
+              <a:rPr lang="ko-KR" altLang="en-US" dirty="0">
+                <a:latin typeface="+mn-ea"/>
+              </a:rPr>
+              <a:t>해간 횟수</a:t>
+            </a:r>
+            <a:endParaRPr lang="en-US" altLang="ko-KR" dirty="0">
+              <a:latin typeface="+mn-ea"/>
+            </a:endParaRPr>
+          </a:p>
+          <a:p>
+            <a:pPr lvl="1"/>
+            <a:r>
+              <a:rPr lang="ko-KR" altLang="en-US" dirty="0">
+                <a:latin typeface="+mn-ea"/>
+              </a:rPr>
+              <a:t> </a:t>
+            </a:r>
+            <a:endParaRPr lang="en-US" altLang="ko-KR" dirty="0">
+              <a:latin typeface="+mn-ea"/>
+            </a:endParaRPr>
+          </a:p>
+          <a:p>
+            <a:pPr lvl="1"/>
+            <a:endParaRPr lang="en-US" altLang="ko-KR" dirty="0">
+              <a:latin typeface="+mn-ea"/>
+            </a:endParaRPr>
+          </a:p>
+          <a:p>
+            <a:pPr lvl="1"/>
+            <a:endParaRPr lang="en-US" altLang="ko-KR" dirty="0">
+              <a:latin typeface="+mn-ea"/>
+            </a:endParaRPr>
+          </a:p>
+          <a:p>
+            <a:pPr lvl="1"/>
+            <a:endParaRPr lang="en-US" altLang="ko-KR" dirty="0">
+              <a:latin typeface="+mn-ea"/>
+            </a:endParaRPr>
+          </a:p>
+          <a:p>
+            <a:pPr marL="266700" lvl="1" indent="0">
+              <a:buNone/>
+            </a:pPr>
+            <a:endParaRPr lang="en-US" altLang="ko-KR" dirty="0">
+              <a:latin typeface="+mn-ea"/>
+            </a:endParaRPr>
+          </a:p>
+          <a:p>
+            <a:pPr marL="266700" lvl="1" indent="0">
+              <a:buNone/>
+            </a:pPr>
+            <a:endParaRPr lang="en-US" altLang="ko-KR" sz="1000" dirty="0">
+              <a:latin typeface="+mn-ea"/>
+            </a:endParaRPr>
+          </a:p>
+          <a:p>
+            <a:pPr lvl="1"/>
+            <a:endParaRPr lang="en-US" altLang="ko-KR" dirty="0">
+              <a:latin typeface="+mn-ea"/>
+            </a:endParaRPr>
+          </a:p>
+          <a:p>
+            <a:pPr lvl="1"/>
+            <a:endParaRPr lang="en-US" altLang="ko-KR" dirty="0">
+              <a:latin typeface="+mn-ea"/>
+            </a:endParaRPr>
+          </a:p>
+          <a:p>
+            <a:pPr lvl="1"/>
+            <a:endParaRPr lang="en-US" altLang="ko-KR" dirty="0">
+              <a:latin typeface="+mn-ea"/>
+            </a:endParaRPr>
+          </a:p>
+          <a:p>
+            <a:pPr marL="266700" lvl="1" indent="0">
+              <a:buNone/>
+            </a:pPr>
+            <a:endParaRPr lang="en-US" altLang="ko-KR" dirty="0">
+              <a:latin typeface="+mn-ea"/>
+            </a:endParaRPr>
+          </a:p>
+          <a:p>
+            <a:pPr marL="266700" lvl="1" indent="0">
+              <a:buNone/>
+            </a:pPr>
+            <a:endParaRPr lang="en-US" altLang="ko-KR" dirty="0">
+              <a:latin typeface="+mn-ea"/>
+            </a:endParaRPr>
+          </a:p>
+          <a:p>
+            <a:pPr marL="266700" lvl="1" indent="0">
+              <a:buNone/>
+            </a:pPr>
+            <a:endParaRPr lang="en-US" altLang="ko-KR" dirty="0">
+              <a:latin typeface="+mn-ea"/>
+            </a:endParaRPr>
+          </a:p>
+          <a:p>
+            <a:pPr marL="266700" lvl="1" indent="0">
+              <a:buNone/>
+            </a:pPr>
+            <a:endParaRPr lang="en-US" altLang="ko-KR" dirty="0">
+              <a:latin typeface="+mn-ea"/>
+            </a:endParaRPr>
+          </a:p>
+          <a:p>
+            <a:pPr marL="266700" lvl="1" indent="0">
+              <a:buNone/>
+            </a:pPr>
+            <a:endParaRPr lang="en-US" altLang="ko-KR" dirty="0">
+              <a:latin typeface="+mn-ea"/>
+            </a:endParaRPr>
           </a:p>
         </p:txBody>
       </p:sp>
@@ -2843,57 +3460,71 @@
           </a:lstStyle>
           <a:p>
             <a:r>
-              <a:rPr lang="ko-KR" altLang="en-US" dirty="0" smtClean="0"/>
-              <a:t>새로운 </a:t>
-            </a:r>
-            <a:r>
-              <a:rPr lang="en-US" altLang="ko-KR" dirty="0" smtClean="0"/>
-              <a:t>Issue </a:t>
-            </a:r>
-            <a:r>
-              <a:rPr lang="ko-KR" altLang="en-US" dirty="0" smtClean="0"/>
-              <a:t>만들기</a:t>
+              <a:rPr lang="en-US" altLang="ko-KR" dirty="0"/>
+              <a:t>Issue Track </a:t>
+            </a:r>
+            <a:r>
+              <a:rPr lang="ko-KR" altLang="en-US" dirty="0"/>
+              <a:t>목적</a:t>
             </a:r>
             <a:endParaRPr lang="en-US" altLang="ko-KR" dirty="0"/>
           </a:p>
           <a:p>
             <a:pPr lvl="1"/>
             <a:r>
-              <a:rPr lang="en-US" altLang="ko-KR" dirty="0" smtClean="0">
-                <a:latin typeface="+mn-ea"/>
-              </a:rPr>
-              <a:t>Issue </a:t>
-            </a:r>
-            <a:r>
-              <a:rPr lang="ko-KR" altLang="en-US" dirty="0" err="1" smtClean="0">
-                <a:latin typeface="+mn-ea"/>
-              </a:rPr>
-              <a:t>클릭후</a:t>
-            </a:r>
-            <a:r>
-              <a:rPr lang="ko-KR" altLang="en-US" dirty="0" smtClean="0">
+              <a:rPr lang="en-US" altLang="ko-KR" dirty="0">
+                <a:latin typeface="+mn-ea"/>
+              </a:rPr>
+              <a:t>Bug </a:t>
+            </a:r>
+            <a:r>
+              <a:rPr lang="ko-KR" altLang="en-US" dirty="0">
+                <a:latin typeface="+mn-ea"/>
+              </a:rPr>
+              <a:t>추적의 목적</a:t>
+            </a:r>
+            <a:r>
+              <a:rPr lang="en-US" altLang="ko-KR" dirty="0">
                 <a:latin typeface="+mn-ea"/>
               </a:rPr>
               <a:t> </a:t>
             </a:r>
-            <a:r>
-              <a:rPr lang="en-US" altLang="ko-KR" dirty="0" smtClean="0">
-                <a:latin typeface="+mn-ea"/>
-              </a:rPr>
-              <a:t>New Issue</a:t>
-            </a:r>
-            <a:r>
-              <a:rPr lang="ko-KR" altLang="en-US" dirty="0" smtClean="0">
-                <a:latin typeface="+mn-ea"/>
-              </a:rPr>
-              <a:t>클릭</a:t>
-            </a:r>
-            <a:r>
-              <a:rPr lang="en-US" altLang="ko-KR" dirty="0" smtClean="0">
-                <a:latin typeface="+mn-ea"/>
-              </a:rPr>
-              <a:t> </a:t>
-            </a:r>
+          </a:p>
+          <a:p>
+            <a:pPr lvl="1"/>
+            <a:r>
+              <a:rPr lang="ko-KR" altLang="en-US" dirty="0">
+                <a:latin typeface="+mn-ea"/>
+              </a:rPr>
+              <a:t>요청 사항 기입</a:t>
+            </a:r>
+            <a:endParaRPr lang="en-US" altLang="ko-KR" dirty="0">
+              <a:latin typeface="+mn-ea"/>
+            </a:endParaRPr>
+          </a:p>
+          <a:p>
+            <a:pPr lvl="1"/>
+            <a:r>
+              <a:rPr lang="ko-KR" altLang="en-US" dirty="0">
+                <a:latin typeface="+mn-ea"/>
+              </a:rPr>
+              <a:t>토론의 장</a:t>
+            </a:r>
+            <a:endParaRPr lang="en-US" altLang="ko-KR" dirty="0">
+              <a:latin typeface="+mn-ea"/>
+            </a:endParaRPr>
+          </a:p>
+          <a:p>
+            <a:pPr lvl="1"/>
+            <a:r>
+              <a:rPr lang="ko-KR" altLang="en-US" dirty="0">
+                <a:latin typeface="+mn-ea"/>
+              </a:rPr>
+              <a:t>기타 기록 정리</a:t>
+            </a:r>
+            <a:endParaRPr lang="en-US" altLang="ko-KR" dirty="0">
+              <a:latin typeface="+mn-ea"/>
+            </a:endParaRPr>
           </a:p>
           <a:p>
             <a:endParaRPr lang="en-US" altLang="ko-KR" dirty="0">
@@ -2931,6 +3562,39 @@
           <a:p>
             <a:pPr lvl="1"/>
             <a:endParaRPr lang="en-US" altLang="ko-KR" dirty="0">
+              <a:latin typeface="+mn-ea"/>
+            </a:endParaRPr>
+          </a:p>
+          <a:p>
+            <a:pPr lvl="1"/>
+            <a:endParaRPr lang="en-US" altLang="ko-KR" dirty="0">
+              <a:latin typeface="+mn-ea"/>
+            </a:endParaRPr>
+          </a:p>
+          <a:p>
+            <a:pPr lvl="1"/>
+            <a:r>
+              <a:rPr lang="en-US" altLang="ko-KR" dirty="0">
+                <a:solidFill>
+                  <a:srgbClr val="FF0000"/>
+                </a:solidFill>
+                <a:latin typeface="+mn-ea"/>
+              </a:rPr>
+              <a:t>Discussions</a:t>
+            </a:r>
+            <a:r>
+              <a:rPr lang="ko-KR" altLang="en-US" dirty="0">
+                <a:solidFill>
+                  <a:srgbClr val="FF0000"/>
+                </a:solidFill>
+                <a:latin typeface="+mn-ea"/>
+              </a:rPr>
+              <a:t>의 차이 확인 필</a:t>
+            </a:r>
+            <a:endParaRPr lang="en-US" altLang="ko-KR" dirty="0">
+              <a:solidFill>
+                <a:srgbClr val="FF0000"/>
+              </a:solidFill>
               <a:latin typeface="+mn-ea"/>
             </a:endParaRPr>
           </a:p>
@@ -3013,7 +3677,382 @@
           <a:lstStyle/>
           <a:p>
             <a:r>
-              <a:rPr lang="en-US" altLang="ko-KR" dirty="0" smtClean="0"/>
+              <a:rPr lang="en-US" altLang="ko-KR" dirty="0"/>
+              <a:t>Issue Tracker</a:t>
+            </a:r>
+            <a:endParaRPr lang="ko-KR" altLang="en-US" dirty="0"/>
+          </a:p>
+        </p:txBody>
+      </p:sp>
+    </p:spTree>
+    <p:extLst>
+      <p:ext uri="{BB962C8B-B14F-4D97-AF65-F5344CB8AC3E}">
+        <p14:creationId xmlns:p14="http://schemas.microsoft.com/office/powerpoint/2010/main" val="493399427"/>
+      </p:ext>
+    </p:extLst>
+  </p:cSld>
+  <p:clrMapOvr>
+    <a:masterClrMapping/>
+  </p:clrMapOvr>
+</p:sld>
+</file>
+
+<file path=ppt/slides/slide4.xml><?xml version="1.0" encoding="utf-8"?>
+<p:sld xmlns:a="http://schemas.openxmlformats.org/drawingml/2006/main" xmlns:r="http://schemas.openxmlformats.org/officeDocument/2006/relationships" xmlns:p="http://schemas.openxmlformats.org/presentationml/2006/main">
+  <p:cSld>
+    <p:spTree>
+      <p:nvGrpSpPr>
+        <p:cNvPr id="1" name=""/>
+        <p:cNvGrpSpPr/>
+        <p:nvPr/>
+      </p:nvGrpSpPr>
+      <p:grpSpPr>
+        <a:xfrm>
+          <a:off x="0" y="0"/>
+          <a:ext cx="0" cy="0"/>
+          <a:chOff x="0" y="0"/>
+          <a:chExt cx="0" cy="0"/>
+        </a:xfrm>
+      </p:grpSpPr>
+      <p:sp>
+        <p:nvSpPr>
+          <p:cNvPr id="7" name="내용 개체 틀 2">
+            <a:extLst>
+              <a:ext uri="{FF2B5EF4-FFF2-40B4-BE49-F238E27FC236}">
+                <a16:creationId xmlns:a16="http://schemas.microsoft.com/office/drawing/2014/main" id="{A44AC902-3746-40D6-9827-94B46EEDDC67}"/>
+              </a:ext>
+            </a:extLst>
+          </p:cNvPr>
+          <p:cNvSpPr txBox="1">
+            <a:spLocks/>
+          </p:cNvSpPr>
+          <p:nvPr/>
+        </p:nvSpPr>
+        <p:spPr>
+          <a:xfrm>
+            <a:off x="341787" y="1120545"/>
+            <a:ext cx="8642350" cy="3953260"/>
+          </a:xfrm>
+          <a:prstGeom prst="rect">
+            <a:avLst/>
+          </a:prstGeom>
+        </p:spPr>
+        <p:txBody>
+          <a:bodyPr vert="horz" lIns="91440" tIns="45720" rIns="91440" bIns="45720" rtlCol="0">
+            <a:noAutofit/>
+          </a:bodyPr>
+          <a:lstStyle>
+            <a:lvl1pPr marL="266700" indent="-266700" defTabSz="914400" latinLnBrk="1">
+              <a:lnSpc>
+                <a:spcPct val="150000"/>
+              </a:lnSpc>
+              <a:spcBef>
+                <a:spcPct val="0"/>
+              </a:spcBef>
+              <a:buClr>
+                <a:schemeClr val="tx1">
+                  <a:lumMod val="65000"/>
+                  <a:lumOff val="35000"/>
+                </a:schemeClr>
+              </a:buClr>
+              <a:buFont typeface="Wingdings" pitchFamily="2" charset="2"/>
+              <a:buChar char="n"/>
+              <a:defRPr sz="2000" b="1">
+                <a:latin typeface="+mn-ea"/>
+              </a:defRPr>
+            </a:lvl1pPr>
+            <a:lvl2pPr marL="447675" lvl="1" indent="-180975" defTabSz="914400" latinLnBrk="1">
+              <a:lnSpc>
+                <a:spcPct val="150000"/>
+              </a:lnSpc>
+              <a:spcBef>
+                <a:spcPts val="0"/>
+              </a:spcBef>
+              <a:spcAft>
+                <a:spcPts val="0"/>
+              </a:spcAft>
+              <a:buClr>
+                <a:schemeClr val="tx1">
+                  <a:lumMod val="50000"/>
+                  <a:lumOff val="50000"/>
+                </a:schemeClr>
+              </a:buClr>
+              <a:buFont typeface="Wingdings" pitchFamily="2" charset="2"/>
+              <a:buChar char="§"/>
+              <a:defRPr sz="1600"/>
+            </a:lvl2pPr>
+            <a:lvl3pPr marL="628650" indent="-180975" defTabSz="914400" latinLnBrk="1">
+              <a:lnSpc>
+                <a:spcPct val="150000"/>
+              </a:lnSpc>
+              <a:spcBef>
+                <a:spcPts val="500"/>
+              </a:spcBef>
+              <a:spcAft>
+                <a:spcPts val="300"/>
+              </a:spcAft>
+              <a:buClr>
+                <a:schemeClr val="tx1">
+                  <a:lumMod val="65000"/>
+                  <a:lumOff val="35000"/>
+                </a:schemeClr>
+              </a:buClr>
+              <a:buFont typeface="Arial" panose="020B0604020202020204" pitchFamily="34" charset="0"/>
+              <a:buChar char="•"/>
+              <a:defRPr sz="1400"/>
+            </a:lvl3pPr>
+            <a:lvl4pPr marL="809625" indent="-180975" defTabSz="914400" latinLnBrk="1">
+              <a:lnSpc>
+                <a:spcPct val="150000"/>
+              </a:lnSpc>
+              <a:spcBef>
+                <a:spcPts val="500"/>
+              </a:spcBef>
+              <a:spcAft>
+                <a:spcPts val="300"/>
+              </a:spcAft>
+              <a:buClr>
+                <a:schemeClr val="tx1">
+                  <a:lumMod val="65000"/>
+                  <a:lumOff val="35000"/>
+                </a:schemeClr>
+              </a:buClr>
+              <a:buSzPct val="96000"/>
+              <a:buFont typeface="Arial" panose="020B0604020202020204" pitchFamily="34" charset="0"/>
+              <a:buChar char="•"/>
+              <a:defRPr sz="1200"/>
+            </a:lvl4pPr>
+            <a:lvl5pPr marL="990600" indent="-180975" defTabSz="914400" latinLnBrk="1">
+              <a:lnSpc>
+                <a:spcPct val="150000"/>
+              </a:lnSpc>
+              <a:spcBef>
+                <a:spcPts val="500"/>
+              </a:spcBef>
+              <a:buClr>
+                <a:schemeClr val="tx1">
+                  <a:lumMod val="65000"/>
+                  <a:lumOff val="35000"/>
+                </a:schemeClr>
+              </a:buClr>
+              <a:buFont typeface="Arial" panose="020B0604020202020204" pitchFamily="34" charset="0"/>
+              <a:buChar char="•"/>
+              <a:defRPr sz="1000"/>
+            </a:lvl5pPr>
+            <a:lvl6pPr marL="2514600" indent="-228600" defTabSz="914400" latinLnBrk="1">
+              <a:lnSpc>
+                <a:spcPct val="90000"/>
+              </a:lnSpc>
+              <a:spcBef>
+                <a:spcPts val="500"/>
+              </a:spcBef>
+              <a:buFont typeface="Arial" panose="020B0604020202020204" pitchFamily="34" charset="0"/>
+              <a:buChar char="•"/>
+            </a:lvl6pPr>
+            <a:lvl7pPr marL="2971800" indent="-228600" defTabSz="914400" latinLnBrk="1">
+              <a:lnSpc>
+                <a:spcPct val="90000"/>
+              </a:lnSpc>
+              <a:spcBef>
+                <a:spcPts val="500"/>
+              </a:spcBef>
+              <a:buFont typeface="Arial" panose="020B0604020202020204" pitchFamily="34" charset="0"/>
+              <a:buChar char="•"/>
+            </a:lvl7pPr>
+            <a:lvl8pPr marL="3429000" indent="-228600" defTabSz="914400" latinLnBrk="1">
+              <a:lnSpc>
+                <a:spcPct val="90000"/>
+              </a:lnSpc>
+              <a:spcBef>
+                <a:spcPts val="500"/>
+              </a:spcBef>
+              <a:buFont typeface="Arial" panose="020B0604020202020204" pitchFamily="34" charset="0"/>
+              <a:buChar char="•"/>
+            </a:lvl8pPr>
+            <a:lvl9pPr marL="3886200" indent="-228600" defTabSz="914400" latinLnBrk="1">
+              <a:lnSpc>
+                <a:spcPct val="90000"/>
+              </a:lnSpc>
+              <a:spcBef>
+                <a:spcPts val="500"/>
+              </a:spcBef>
+              <a:buFont typeface="Arial" panose="020B0604020202020204" pitchFamily="34" charset="0"/>
+              <a:buChar char="•"/>
+            </a:lvl9pPr>
+          </a:lstStyle>
+          <a:p>
+            <a:r>
+              <a:rPr lang="ko-KR" altLang="en-US" dirty="0"/>
+              <a:t>새로운 </a:t>
+            </a:r>
+            <a:r>
+              <a:rPr lang="en-US" altLang="ko-KR" dirty="0"/>
+              <a:t>Issue </a:t>
+            </a:r>
+            <a:r>
+              <a:rPr lang="ko-KR" altLang="en-US" dirty="0"/>
+              <a:t>만들기</a:t>
+            </a:r>
+            <a:endParaRPr lang="en-US" altLang="ko-KR" dirty="0"/>
+          </a:p>
+          <a:p>
+            <a:pPr lvl="1"/>
+            <a:r>
+              <a:rPr lang="en-US" altLang="ko-KR" dirty="0">
+                <a:latin typeface="+mn-ea"/>
+              </a:rPr>
+              <a:t>Issue </a:t>
+            </a:r>
+            <a:r>
+              <a:rPr lang="ko-KR" altLang="en-US" dirty="0" err="1">
+                <a:latin typeface="+mn-ea"/>
+              </a:rPr>
+              <a:t>클릭후</a:t>
+            </a:r>
+            <a:r>
+              <a:rPr lang="ko-KR" altLang="en-US" dirty="0">
+                <a:latin typeface="+mn-ea"/>
+              </a:rPr>
+              <a:t> </a:t>
+            </a:r>
+            <a:r>
+              <a:rPr lang="en-US" altLang="ko-KR" dirty="0">
+                <a:latin typeface="+mn-ea"/>
+              </a:rPr>
+              <a:t>New Issue</a:t>
+            </a:r>
+            <a:r>
+              <a:rPr lang="ko-KR" altLang="en-US" dirty="0">
+                <a:latin typeface="+mn-ea"/>
+              </a:rPr>
+              <a:t>클릭</a:t>
+            </a:r>
+            <a:r>
+              <a:rPr lang="en-US" altLang="ko-KR" dirty="0">
+                <a:latin typeface="+mn-ea"/>
+              </a:rPr>
+              <a:t> </a:t>
+            </a:r>
+          </a:p>
+          <a:p>
+            <a:endParaRPr lang="en-US" altLang="ko-KR" dirty="0">
+              <a:latin typeface="+mn-ea"/>
+            </a:endParaRPr>
+          </a:p>
+          <a:p>
+            <a:pPr lvl="1"/>
+            <a:endParaRPr lang="en-US" altLang="ko-KR" dirty="0">
+              <a:latin typeface="+mn-ea"/>
+            </a:endParaRPr>
+          </a:p>
+          <a:p>
+            <a:pPr lvl="1"/>
+            <a:endParaRPr lang="en-US" altLang="ko-KR" dirty="0">
+              <a:latin typeface="+mn-ea"/>
+            </a:endParaRPr>
+          </a:p>
+          <a:p>
+            <a:pPr marL="266700" lvl="1" indent="0">
+              <a:buNone/>
+            </a:pPr>
+            <a:endParaRPr lang="en-US" altLang="ko-KR" dirty="0">
+              <a:latin typeface="+mn-ea"/>
+            </a:endParaRPr>
+          </a:p>
+          <a:p>
+            <a:pPr marL="266700" lvl="1" indent="0">
+              <a:buNone/>
+            </a:pPr>
+            <a:endParaRPr lang="en-US" altLang="ko-KR" sz="1000" dirty="0">
+              <a:latin typeface="+mn-ea"/>
+            </a:endParaRPr>
+          </a:p>
+          <a:p>
+            <a:pPr lvl="1"/>
+            <a:endParaRPr lang="en-US" altLang="ko-KR" dirty="0">
+              <a:latin typeface="+mn-ea"/>
+            </a:endParaRPr>
+          </a:p>
+          <a:p>
+            <a:pPr marL="266700" lvl="1" indent="0">
+              <a:buNone/>
+            </a:pPr>
+            <a:endParaRPr lang="en-US" altLang="ko-KR" dirty="0">
+              <a:latin typeface="+mn-ea"/>
+            </a:endParaRPr>
+          </a:p>
+          <a:p>
+            <a:pPr marL="266700" lvl="1" indent="0">
+              <a:buNone/>
+            </a:pPr>
+            <a:endParaRPr lang="en-US" altLang="ko-KR" dirty="0">
+              <a:latin typeface="+mn-ea"/>
+            </a:endParaRPr>
+          </a:p>
+          <a:p>
+            <a:pPr marL="266700" lvl="1" indent="0">
+              <a:buNone/>
+            </a:pPr>
+            <a:endParaRPr lang="en-US" altLang="ko-KR" dirty="0">
+              <a:latin typeface="+mn-ea"/>
+            </a:endParaRPr>
+          </a:p>
+          <a:p>
+            <a:pPr marL="266700" lvl="1" indent="0">
+              <a:buNone/>
+            </a:pPr>
+            <a:endParaRPr lang="en-US" altLang="ko-KR" dirty="0">
+              <a:latin typeface="+mn-ea"/>
+            </a:endParaRPr>
+          </a:p>
+          <a:p>
+            <a:pPr marL="266700" lvl="1" indent="0">
+              <a:buNone/>
+            </a:pPr>
+            <a:endParaRPr lang="en-US" altLang="ko-KR" dirty="0">
+              <a:latin typeface="+mn-ea"/>
+            </a:endParaRPr>
+          </a:p>
+          <a:p>
+            <a:pPr marL="266700" lvl="1" indent="0">
+              <a:buNone/>
+            </a:pPr>
+            <a:endParaRPr lang="en-US" altLang="ko-KR" dirty="0">
+              <a:latin typeface="+mn-ea"/>
+            </a:endParaRPr>
+          </a:p>
+        </p:txBody>
+      </p:sp>
+      <p:sp>
+        <p:nvSpPr>
+          <p:cNvPr id="4" name="제목 3">
+            <a:extLst>
+              <a:ext uri="{FF2B5EF4-FFF2-40B4-BE49-F238E27FC236}">
+                <a16:creationId xmlns:a16="http://schemas.microsoft.com/office/drawing/2014/main" id="{F0CEB32B-CB43-4410-BA08-A97E4BC47FCB}"/>
+              </a:ext>
+            </a:extLst>
+          </p:cNvPr>
+          <p:cNvSpPr>
+            <a:spLocks noGrp="1"/>
+          </p:cNvSpPr>
+          <p:nvPr>
+            <p:ph type="title"/>
+          </p:nvPr>
+        </p:nvSpPr>
+        <p:spPr>
+          <a:xfrm>
+            <a:off x="539551" y="192300"/>
+            <a:ext cx="8244853" cy="576064"/>
+          </a:xfrm>
+        </p:spPr>
+        <p:txBody>
+          <a:bodyPr>
+            <a:normAutofit/>
+          </a:bodyPr>
+          <a:lstStyle/>
+          <a:p>
+            <a:r>
+              <a:rPr lang="en-US" altLang="ko-KR" dirty="0"/>
               <a:t>Issue Tracker</a:t>
             </a:r>
             <a:endParaRPr lang="ko-KR" altLang="en-US" dirty="0"/>
@@ -3261,7 +4300,7 @@
 </p:sld>
 </file>
 
-<file path=ppt/slides/slide4.xml><?xml version="1.0" encoding="utf-8"?>
+<file path=ppt/slides/slide5.xml><?xml version="1.0" encoding="utf-8"?>
 <p:sld xmlns:a="http://schemas.openxmlformats.org/drawingml/2006/main" xmlns:r="http://schemas.openxmlformats.org/officeDocument/2006/relationships" xmlns:p="http://schemas.openxmlformats.org/presentationml/2006/main">
   <p:cSld>
     <p:spTree>
@@ -3470,15 +4509,15 @@
           </a:lstStyle>
           <a:p>
             <a:r>
-              <a:rPr lang="ko-KR" altLang="en-US" dirty="0" smtClean="0"/>
+              <a:rPr lang="ko-KR" altLang="en-US" dirty="0"/>
               <a:t>새로운 </a:t>
             </a:r>
             <a:r>
-              <a:rPr lang="en-US" altLang="ko-KR" dirty="0" smtClean="0"/>
+              <a:rPr lang="en-US" altLang="ko-KR" dirty="0"/>
               <a:t>Issue </a:t>
             </a:r>
             <a:r>
-              <a:rPr lang="ko-KR" altLang="en-US" dirty="0" smtClean="0"/>
+              <a:rPr lang="ko-KR" altLang="en-US" dirty="0"/>
               <a:t>만들기</a:t>
             </a:r>
             <a:endParaRPr lang="en-US" altLang="ko-KR" dirty="0"/>
@@ -3486,31 +4525,31 @@
           <a:p>
             <a:pPr lvl="1"/>
             <a:r>
-              <a:rPr lang="en-US" altLang="ko-KR" dirty="0" smtClean="0">
+              <a:rPr lang="en-US" altLang="ko-KR" dirty="0">
                 <a:latin typeface="+mn-ea"/>
               </a:rPr>
               <a:t>Title</a:t>
             </a:r>
             <a:r>
-              <a:rPr lang="ko-KR" altLang="en-US" dirty="0" smtClean="0">
+              <a:rPr lang="ko-KR" altLang="en-US" dirty="0">
                 <a:latin typeface="+mn-ea"/>
               </a:rPr>
               <a:t>을 작성해야만 </a:t>
             </a:r>
             <a:r>
-              <a:rPr lang="en-US" altLang="ko-KR" dirty="0" smtClean="0">
+              <a:rPr lang="en-US" altLang="ko-KR" dirty="0">
                 <a:latin typeface="+mn-ea"/>
               </a:rPr>
               <a:t>submit new issue</a:t>
             </a:r>
             <a:r>
-              <a:rPr lang="ko-KR" altLang="en-US" dirty="0" smtClean="0">
+              <a:rPr lang="ko-KR" altLang="en-US" dirty="0">
                 <a:latin typeface="+mn-ea"/>
               </a:rPr>
               <a:t>가 활성화 됨</a:t>
             </a:r>
             <a:r>
-              <a:rPr lang="en-US" altLang="ko-KR" dirty="0" smtClean="0">
+              <a:rPr lang="en-US" altLang="ko-KR" dirty="0">
                 <a:latin typeface="+mn-ea"/>
               </a:rPr>
               <a:t>.</a:t>
@@ -3524,22 +4563,16 @@
               <a:rPr lang="en-US" altLang="ko-KR" dirty="0">
                 <a:latin typeface="+mn-ea"/>
               </a:rPr>
-              <a:t> </a:t>
-            </a:r>
-            <a:r>
-              <a:rPr lang="en-US" altLang="ko-KR" dirty="0" smtClean="0">
-                <a:latin typeface="+mn-ea"/>
-              </a:rPr>
-              <a:t> - </a:t>
-            </a:r>
-            <a:r>
-              <a:rPr lang="ko-KR" altLang="en-US" dirty="0" smtClean="0">
+              <a:t>  - </a:t>
+            </a:r>
+            <a:r>
+              <a:rPr lang="ko-KR" altLang="en-US" dirty="0">
                 <a:latin typeface="+mn-ea"/>
               </a:rPr>
               <a:t>작성하고 </a:t>
             </a:r>
             <a:r>
-              <a:rPr lang="ko-KR" altLang="en-US" dirty="0" err="1" smtClean="0">
+              <a:rPr lang="ko-KR" altLang="en-US" dirty="0" err="1">
                 <a:latin typeface="+mn-ea"/>
               </a:rPr>
               <a:t>미리보기</a:t>
@@ -3655,7 +4688,7 @@
           <a:lstStyle/>
           <a:p>
             <a:r>
-              <a:rPr lang="en-US" altLang="ko-KR" dirty="0" smtClean="0"/>
+              <a:rPr lang="en-US" altLang="ko-KR" dirty="0"/>
               <a:t>Issue Tracker</a:t>
             </a:r>
             <a:endParaRPr lang="ko-KR" altLang="en-US" dirty="0"/>
@@ -3819,7 +4852,7 @@
           <a:lstStyle/>
           <a:p>
             <a:r>
-              <a:rPr lang="en-US" altLang="ko-KR" sz="1400" dirty="0" smtClean="0">
+              <a:rPr lang="en-US" altLang="ko-KR" sz="1400" dirty="0">
                 <a:solidFill>
                   <a:srgbClr val="0000FF"/>
                 </a:solidFill>
@@ -3827,7 +4860,7 @@
               <a:t>Markdown </a:t>
             </a:r>
             <a:r>
-              <a:rPr lang="ko-KR" altLang="en-US" sz="1400" dirty="0" smtClean="0">
+              <a:rPr lang="ko-KR" altLang="en-US" sz="1400" dirty="0">
                 <a:solidFill>
                   <a:srgbClr val="0000FF"/>
                 </a:solidFill>
@@ -3835,7 +4868,7 @@
               <a:t>사용법 설명</a:t>
             </a:r>
             <a:r>
-              <a:rPr lang="en-US" altLang="ko-KR" sz="1400" dirty="0" smtClean="0">
+              <a:rPr lang="en-US" altLang="ko-KR" sz="1400" dirty="0">
                 <a:solidFill>
                   <a:srgbClr val="0000FF"/>
                 </a:solidFill>
@@ -3843,7 +4876,7 @@
               <a:t>(</a:t>
             </a:r>
             <a:r>
-              <a:rPr lang="ko-KR" altLang="en-US" sz="1400" dirty="0" smtClean="0">
+              <a:rPr lang="ko-KR" altLang="en-US" sz="1400" dirty="0">
                 <a:solidFill>
                   <a:srgbClr val="0000FF"/>
                 </a:solidFill>
@@ -3851,7 +4884,7 @@
               <a:t>클릭</a:t>
             </a:r>
             <a:r>
-              <a:rPr lang="en-US" altLang="ko-KR" sz="1400" dirty="0" smtClean="0">
+              <a:rPr lang="en-US" altLang="ko-KR" sz="1400" dirty="0">
                 <a:solidFill>
                   <a:srgbClr val="0000FF"/>
                 </a:solidFill>
@@ -4363,7 +5396,7 @@
 </p:sld>
 </file>
 
-<file path=ppt/slides/slide5.xml><?xml version="1.0" encoding="utf-8"?>
+<file path=ppt/slides/slide6.xml><?xml version="1.0" encoding="utf-8"?>
 <p:sld xmlns:a="http://schemas.openxmlformats.org/drawingml/2006/main" xmlns:r="http://schemas.openxmlformats.org/officeDocument/2006/relationships" xmlns:p="http://schemas.openxmlformats.org/presentationml/2006/main">
   <p:cSld>
     <p:spTree>
@@ -4548,23 +5581,23 @@
           </a:lstStyle>
           <a:p>
             <a:r>
-              <a:rPr lang="ko-KR" altLang="en-US" dirty="0" smtClean="0"/>
+              <a:rPr lang="ko-KR" altLang="en-US" dirty="0"/>
               <a:t>새로운 </a:t>
             </a:r>
             <a:r>
-              <a:rPr lang="en-US" altLang="ko-KR" dirty="0" smtClean="0"/>
+              <a:rPr lang="en-US" altLang="ko-KR" dirty="0"/>
               <a:t>Issue </a:t>
             </a:r>
             <a:r>
-              <a:rPr lang="ko-KR" altLang="en-US" dirty="0" smtClean="0"/>
+              <a:rPr lang="ko-KR" altLang="en-US" dirty="0"/>
               <a:t>만들기 </a:t>
             </a:r>
             <a:r>
-              <a:rPr lang="en-US" altLang="ko-KR" dirty="0" smtClean="0"/>
+              <a:rPr lang="en-US" altLang="ko-KR" dirty="0"/>
               <a:t>: </a:t>
             </a:r>
             <a:r>
-              <a:rPr lang="ko-KR" altLang="en-US" dirty="0" smtClean="0"/>
+              <a:rPr lang="ko-KR" altLang="en-US" dirty="0"/>
               <a:t>최초 이슈 발행</a:t>
             </a:r>
             <a:endParaRPr lang="en-US" altLang="ko-KR" dirty="0">
@@ -4602,7 +5635,7 @@
           <a:lstStyle/>
           <a:p>
             <a:r>
-              <a:rPr lang="en-US" altLang="ko-KR" dirty="0" smtClean="0"/>
+              <a:rPr lang="en-US" altLang="ko-KR" dirty="0"/>
               <a:t>Issue Tracker</a:t>
             </a:r>
             <a:endParaRPr lang="ko-KR" altLang="en-US" dirty="0"/>
@@ -4656,7 +5689,7 @@
           <a:lstStyle/>
           <a:p>
             <a:r>
-              <a:rPr lang="en-US" altLang="ko-KR" sz="1400" dirty="0" smtClean="0">
+              <a:rPr lang="en-US" altLang="ko-KR" sz="1400" dirty="0">
                 <a:solidFill>
                   <a:srgbClr val="0000FF"/>
                 </a:solidFill>
@@ -4664,18 +5697,13 @@
               <a:t>Title </a:t>
             </a:r>
             <a:r>
-              <a:rPr lang="ko-KR" altLang="en-US" sz="1400" dirty="0" smtClean="0">
+              <a:rPr lang="ko-KR" altLang="en-US" sz="1400" dirty="0">
                 <a:solidFill>
                   <a:srgbClr val="0000FF"/>
                 </a:solidFill>
               </a:rPr>
               <a:t>수정</a:t>
             </a:r>
-            <a:endParaRPr lang="ko-KR" altLang="en-US" sz="1400" dirty="0">
-              <a:solidFill>
-                <a:srgbClr val="0000FF"/>
-              </a:solidFill>
-            </a:endParaRPr>
           </a:p>
         </p:txBody>
       </p:sp>
@@ -4747,7 +5775,7 @@
           <a:p>
             <a:pPr algn="ctr"/>
             <a:r>
-              <a:rPr lang="ko-KR" altLang="en-US" sz="1400" smtClean="0">
+              <a:rPr lang="ko-KR" altLang="en-US" sz="1400">
                 <a:solidFill>
                   <a:srgbClr val="0000FF"/>
                 </a:solidFill>
@@ -4755,7 +5783,7 @@
               <a:t>본문</a:t>
             </a:r>
             <a:r>
-              <a:rPr lang="en-US" altLang="ko-KR" sz="1400" dirty="0" smtClean="0">
+              <a:rPr lang="en-US" altLang="ko-KR" sz="1400" dirty="0">
                 <a:solidFill>
                   <a:srgbClr val="0000FF"/>
                 </a:solidFill>
@@ -4763,18 +5791,13 @@
               <a:t> </a:t>
             </a:r>
             <a:r>
-              <a:rPr lang="ko-KR" altLang="en-US" sz="1400" dirty="0" smtClean="0">
+              <a:rPr lang="ko-KR" altLang="en-US" sz="1400" dirty="0">
                 <a:solidFill>
                   <a:srgbClr val="0000FF"/>
                 </a:solidFill>
               </a:rPr>
               <a:t>수정</a:t>
             </a:r>
-            <a:endParaRPr lang="ko-KR" altLang="en-US" sz="1400" dirty="0">
-              <a:solidFill>
-                <a:srgbClr val="0000FF"/>
-              </a:solidFill>
-            </a:endParaRPr>
           </a:p>
         </p:txBody>
       </p:sp>
@@ -4956,7 +5979,7 @@
           <a:p>
             <a:pPr algn="ctr"/>
             <a:r>
-              <a:rPr lang="ko-KR" altLang="en-US" sz="1400" smtClean="0">
+              <a:rPr lang="ko-KR" altLang="en-US" sz="1400">
                 <a:solidFill>
                   <a:srgbClr val="0000FF"/>
                 </a:solidFill>
@@ -4995,7 +6018,7 @@
           <a:p>
             <a:pPr algn="ctr"/>
             <a:r>
-              <a:rPr lang="ko-KR" altLang="en-US" sz="1200" smtClean="0">
+              <a:rPr lang="ko-KR" altLang="en-US" sz="1200">
                 <a:solidFill>
                   <a:srgbClr val="FF0000"/>
                 </a:solidFill>
@@ -5023,7 +6046,7 @@
 </p:sld>
 </file>
 
-<file path=ppt/slides/slide6.xml><?xml version="1.0" encoding="utf-8"?>
+<file path=ppt/slides/slide7.xml><?xml version="1.0" encoding="utf-8"?>
 <p:sld xmlns:a="http://schemas.openxmlformats.org/drawingml/2006/main" xmlns:r="http://schemas.openxmlformats.org/officeDocument/2006/relationships" xmlns:p="http://schemas.openxmlformats.org/presentationml/2006/main">
   <p:cSld>
     <p:spTree>
@@ -5208,15 +6231,15 @@
           </a:lstStyle>
           <a:p>
             <a:r>
-              <a:rPr lang="ko-KR" altLang="en-US" dirty="0" smtClean="0"/>
+              <a:rPr lang="ko-KR" altLang="en-US" dirty="0"/>
               <a:t>새로운 </a:t>
             </a:r>
             <a:r>
-              <a:rPr lang="en-US" altLang="ko-KR" dirty="0" smtClean="0"/>
+              <a:rPr lang="en-US" altLang="ko-KR" dirty="0"/>
               <a:t>Issue </a:t>
             </a:r>
             <a:r>
-              <a:rPr lang="ko-KR" altLang="en-US" dirty="0" smtClean="0"/>
+              <a:rPr lang="ko-KR" altLang="en-US" dirty="0"/>
               <a:t>만들기</a:t>
             </a:r>
             <a:endParaRPr lang="en-US" altLang="ko-KR" dirty="0"/>
@@ -5224,31 +6247,31 @@
           <a:p>
             <a:pPr lvl="1"/>
             <a:r>
-              <a:rPr lang="en-US" altLang="ko-KR" dirty="0" smtClean="0">
+              <a:rPr lang="en-US" altLang="ko-KR" dirty="0">
                 <a:latin typeface="+mn-ea"/>
               </a:rPr>
               <a:t>Title</a:t>
             </a:r>
             <a:r>
-              <a:rPr lang="ko-KR" altLang="en-US" dirty="0" smtClean="0">
+              <a:rPr lang="ko-KR" altLang="en-US" dirty="0">
                 <a:latin typeface="+mn-ea"/>
               </a:rPr>
               <a:t>을 작성해야만 </a:t>
             </a:r>
             <a:r>
-              <a:rPr lang="en-US" altLang="ko-KR" dirty="0" smtClean="0">
+              <a:rPr lang="en-US" altLang="ko-KR" dirty="0">
                 <a:latin typeface="+mn-ea"/>
               </a:rPr>
               <a:t>submit new issue</a:t>
             </a:r>
             <a:r>
-              <a:rPr lang="ko-KR" altLang="en-US" dirty="0" smtClean="0">
+              <a:rPr lang="ko-KR" altLang="en-US" dirty="0">
                 <a:latin typeface="+mn-ea"/>
               </a:rPr>
               <a:t>가 활성화 됨</a:t>
             </a:r>
             <a:r>
-              <a:rPr lang="en-US" altLang="ko-KR" dirty="0" smtClean="0">
+              <a:rPr lang="en-US" altLang="ko-KR" dirty="0">
                 <a:latin typeface="+mn-ea"/>
               </a:rPr>
               <a:t>.</a:t>
@@ -5262,16 +6285,10 @@
               <a:rPr lang="en-US" altLang="ko-KR" dirty="0">
                 <a:latin typeface="+mn-ea"/>
               </a:rPr>
-              <a:t> </a:t>
-            </a:r>
-            <a:r>
-              <a:rPr lang="en-US" altLang="ko-KR" dirty="0" smtClean="0">
-                <a:latin typeface="+mn-ea"/>
-              </a:rPr>
-              <a:t> - </a:t>
-            </a:r>
-            <a:r>
-              <a:rPr lang="en-US" altLang="ko-KR" dirty="0" err="1" smtClean="0">
+              <a:t>  - </a:t>
+            </a:r>
+            <a:r>
+              <a:rPr lang="en-US" altLang="ko-KR" dirty="0" err="1">
                 <a:solidFill>
                   <a:srgbClr val="FF0000"/>
                 </a:solidFill>
@@ -5280,7 +6297,7 @@
               <a:t>github</a:t>
             </a:r>
             <a:r>
-              <a:rPr lang="en-US" altLang="ko-KR" dirty="0" smtClean="0">
+              <a:rPr lang="en-US" altLang="ko-KR" dirty="0">
                 <a:solidFill>
                   <a:srgbClr val="FF0000"/>
                 </a:solidFill>
@@ -5289,7 +6306,7 @@
               <a:t> essential18</a:t>
             </a:r>
             <a:r>
-              <a:rPr lang="ko-KR" altLang="en-US" dirty="0" smtClean="0">
+              <a:rPr lang="ko-KR" altLang="en-US" dirty="0">
                 <a:solidFill>
                   <a:srgbClr val="FF0000"/>
                 </a:solidFill>
@@ -5298,13 +6315,74 @@
               <a:t>쪽부터</a:t>
             </a:r>
             <a:r>
-              <a:rPr lang="en-US" altLang="ko-KR" dirty="0" smtClean="0">
+              <a:rPr lang="en-US" altLang="ko-KR" dirty="0">
                 <a:solidFill>
                   <a:srgbClr val="FF0000"/>
                 </a:solidFill>
                 <a:latin typeface="+mn-ea"/>
               </a:rPr>
               <a:t>, assigning issues to </a:t>
+            </a:r>
+          </a:p>
+          <a:p>
+            <a:pPr marL="266700" lvl="1" indent="0">
+              <a:buNone/>
+            </a:pPr>
+            <a:endParaRPr lang="en-US" altLang="ko-KR" dirty="0">
+              <a:solidFill>
+                <a:srgbClr val="FF0000"/>
+              </a:solidFill>
+              <a:latin typeface="+mn-ea"/>
+            </a:endParaRPr>
+          </a:p>
+          <a:p>
+            <a:pPr marL="266700" lvl="1" indent="0">
+              <a:buNone/>
+            </a:pPr>
+            <a:r>
+              <a:rPr lang="en-US" altLang="ko-KR" dirty="0">
+                <a:solidFill>
+                  <a:srgbClr val="FF0000"/>
+                </a:solidFill>
+                <a:latin typeface="+mn-ea"/>
+              </a:rPr>
+              <a:t>Assignee</a:t>
+            </a:r>
+            <a:r>
+              <a:rPr lang="ko-KR" altLang="en-US" dirty="0">
+                <a:solidFill>
+                  <a:srgbClr val="FF0000"/>
+                </a:solidFill>
+                <a:latin typeface="+mn-ea"/>
+              </a:rPr>
+              <a:t>는 이슈당 </a:t>
+            </a:r>
+            <a:r>
+              <a:rPr lang="ko-KR" altLang="en-US" dirty="0" err="1">
+                <a:solidFill>
+                  <a:srgbClr val="FF0000"/>
+                </a:solidFill>
+                <a:latin typeface="+mn-ea"/>
+              </a:rPr>
+              <a:t>한명</a:t>
+            </a:r>
+            <a:r>
+              <a:rPr lang="ko-KR" altLang="en-US" dirty="0">
+                <a:solidFill>
+                  <a:srgbClr val="FF0000"/>
+                </a:solidFill>
+                <a:latin typeface="+mn-ea"/>
+              </a:rPr>
+              <a:t> </a:t>
+            </a:r>
+            <a:r>
+              <a:rPr lang="ko-KR" altLang="en-US">
+                <a:solidFill>
+                  <a:srgbClr val="FF0000"/>
+                </a:solidFill>
+                <a:latin typeface="+mn-ea"/>
+              </a:rPr>
+              <a:t>지정 가능</a:t>
             </a:r>
             <a:endParaRPr lang="en-US" altLang="ko-KR" dirty="0">
               <a:solidFill>
@@ -5412,7 +6490,7 @@
           <a:lstStyle/>
           <a:p>
             <a:r>
-              <a:rPr lang="en-US" altLang="ko-KR" dirty="0" smtClean="0"/>
+              <a:rPr lang="en-US" altLang="ko-KR" dirty="0"/>
               <a:t>Issue Tracker</a:t>
             </a:r>
             <a:endParaRPr lang="ko-KR" altLang="en-US" dirty="0"/>
@@ -5432,7 +6510,7 @@
 </p:sld>
 </file>
 
-<file path=ppt/slides/slide7.xml><?xml version="1.0" encoding="utf-8"?>
+<file path=ppt/slides/slide8.xml><?xml version="1.0" encoding="utf-8"?>
 <p:sld xmlns:a="http://schemas.openxmlformats.org/drawingml/2006/main" xmlns:r="http://schemas.openxmlformats.org/officeDocument/2006/relationships" xmlns:p="http://schemas.openxmlformats.org/presentationml/2006/main">
   <p:cSld>
     <p:spTree>

--- a/git및github첫걸음7-issuetracker.pptx
+++ b/git및github첫걸음7-issuetracker.pptx
@@ -3143,6 +3143,22 @@
           <a:bodyPr/>
           <a:lstStyle/>
           <a:p>
+            <a:r>
+              <a:rPr lang="ko-KR" altLang="en-US" dirty="0"/>
+              <a:t>나중에 따로 설명 할 것임</a:t>
+            </a:r>
+            <a:r>
+              <a:rPr lang="en-US" altLang="ko-KR" dirty="0"/>
+              <a:t>. </a:t>
+            </a:r>
+            <a:r>
+              <a:rPr lang="ko-KR" altLang="en-US" dirty="0"/>
+              <a:t>일단 여기서는 세상 모두에게 공개될 수 있다는 것을 알고 있어야 함</a:t>
+            </a:r>
+            <a:r>
+              <a:rPr lang="en-US" altLang="ko-KR" dirty="0"/>
+              <a:t>.</a:t>
+            </a:r>
             <a:endParaRPr lang="ko-KR" altLang="en-US" dirty="0"/>
           </a:p>
         </p:txBody>
@@ -22921,19 +22937,7 @@
               <a:rPr lang="ko-KR" altLang="en-US" dirty="0">
                 <a:latin typeface="+mn-ea"/>
               </a:rPr>
-              <a:t>추적을 </a:t>
-            </a:r>
-            <a:r>
-              <a:rPr lang="ko-KR" altLang="en-US" dirty="0" err="1">
-                <a:latin typeface="+mn-ea"/>
-              </a:rPr>
-              <a:t>목즉으로</a:t>
-            </a:r>
-            <a:r>
-              <a:rPr lang="ko-KR" altLang="en-US" dirty="0">
-                <a:latin typeface="+mn-ea"/>
-              </a:rPr>
-              <a:t> 사용</a:t>
+              <a:t>추적을 목적으로 사용</a:t>
             </a:r>
             <a:endParaRPr lang="en-US" altLang="ko-KR" dirty="0">
               <a:latin typeface="+mn-ea"/>
@@ -22945,7 +22949,7 @@
               <a:rPr lang="ko-KR" altLang="en-US" dirty="0">
                 <a:latin typeface="+mn-ea"/>
               </a:rPr>
-              <a:t>요청 사항 기입</a:t>
+              <a:t>과제 진행중 발생되는 모든 요청 사항 기입</a:t>
             </a:r>
             <a:endParaRPr lang="en-US" altLang="ko-KR" dirty="0">
               <a:latin typeface="+mn-ea"/>
@@ -23047,7 +23051,7 @@
         <p:spPr>
           <a:xfrm>
             <a:off x="341787" y="3367915"/>
-            <a:ext cx="7953127" cy="369332"/>
+            <a:ext cx="7953127" cy="646331"/>
           </a:xfrm>
           <a:prstGeom prst="rect">
             <a:avLst/>
@@ -23097,7 +23101,27 @@
                 </a:solidFill>
                 <a:latin typeface="+mn-ea"/>
               </a:rPr>
-              <a:t>시작 페이지로 받아 보게 됨</a:t>
+              <a:t>시작 페이지로</a:t>
+            </a:r>
+            <a:endParaRPr lang="en-US" altLang="ko-KR" b="1" dirty="0">
+              <a:solidFill>
+                <a:srgbClr val="0000FF"/>
+              </a:solidFill>
+              <a:latin typeface="+mn-ea"/>
+            </a:endParaRPr>
+          </a:p>
+          <a:p>
+            <a:pPr marL="266700" lvl="1" indent="0">
+              <a:buNone/>
+            </a:pPr>
+            <a:r>
+              <a:rPr lang="ko-KR" altLang="en-US" b="1" dirty="0">
+                <a:solidFill>
+                  <a:srgbClr val="0000FF"/>
+                </a:solidFill>
+                <a:latin typeface="+mn-ea"/>
+              </a:rPr>
+              <a:t>받아 보게 됨</a:t>
             </a:r>
             <a:r>
               <a:rPr lang="en-US" altLang="ko-KR" b="1" dirty="0">
@@ -23111,6 +23135,195 @@
           </a:p>
         </p:txBody>
       </p:sp>
+      <p:sp>
+        <p:nvSpPr>
+          <p:cNvPr id="6" name="TextBox 5">
+            <a:extLst>
+              <a:ext uri="{FF2B5EF4-FFF2-40B4-BE49-F238E27FC236}">
+                <a16:creationId xmlns:a16="http://schemas.microsoft.com/office/drawing/2014/main" id="{203C94E2-D849-417C-9A72-E0C55F51887B}"/>
+              </a:ext>
+            </a:extLst>
+          </p:cNvPr>
+          <p:cNvSpPr txBox="1"/>
+          <p:nvPr/>
+        </p:nvSpPr>
+        <p:spPr>
+          <a:xfrm>
+            <a:off x="623376" y="4429036"/>
+            <a:ext cx="8077201" cy="1017266"/>
+          </a:xfrm>
+          <a:prstGeom prst="rect">
+            <a:avLst/>
+          </a:prstGeom>
+          <a:noFill/>
+        </p:spPr>
+        <p:txBody>
+          <a:bodyPr wrap="square">
+            <a:spAutoFit/>
+          </a:bodyPr>
+          <a:lstStyle/>
+          <a:p>
+            <a:pPr marL="174625" indent="-174625">
+              <a:lnSpc>
+                <a:spcPct val="130000"/>
+              </a:lnSpc>
+              <a:buFont typeface="Wingdings" panose="05000000000000000000" pitchFamily="2" charset="2"/>
+              <a:buChar char="§"/>
+            </a:pPr>
+            <a:r>
+              <a:rPr lang="en-US" altLang="ko-KR" sz="1600" dirty="0">
+                <a:latin typeface="+mn-ea"/>
+              </a:rPr>
+              <a:t>Lock conversation</a:t>
+            </a:r>
+            <a:r>
+              <a:rPr lang="ko-KR" altLang="en-US" sz="1600" dirty="0">
+                <a:latin typeface="+mn-ea"/>
+              </a:rPr>
+              <a:t>을 하지 않으면 누구나 쓰고 읽을 수 </a:t>
+            </a:r>
+            <a:endParaRPr lang="en-US" altLang="ko-KR" sz="1600" dirty="0">
+              <a:latin typeface="+mn-ea"/>
+            </a:endParaRPr>
+          </a:p>
+          <a:p>
+            <a:pPr>
+              <a:lnSpc>
+                <a:spcPct val="130000"/>
+              </a:lnSpc>
+            </a:pPr>
+            <a:r>
+              <a:rPr lang="en-US" altLang="ko-KR" sz="1600" dirty="0">
+                <a:latin typeface="+mn-ea"/>
+              </a:rPr>
+              <a:t>  </a:t>
+            </a:r>
+            <a:r>
+              <a:rPr lang="ko-KR" altLang="en-US" sz="1600" dirty="0">
+                <a:latin typeface="+mn-ea"/>
+              </a:rPr>
+              <a:t>있음</a:t>
+            </a:r>
+            <a:r>
+              <a:rPr lang="en-US" altLang="ko-KR" sz="1600" dirty="0">
+                <a:latin typeface="+mn-ea"/>
+              </a:rPr>
+              <a:t>. </a:t>
+            </a:r>
+            <a:r>
+              <a:rPr lang="ko-KR" altLang="en-US" sz="1600" dirty="0">
+                <a:latin typeface="+mn-ea"/>
+              </a:rPr>
+              <a:t>따라서 팀원들만 하도록 할 수 있게</a:t>
+            </a:r>
+            <a:endParaRPr lang="en-US" altLang="ko-KR" sz="1600" dirty="0">
+              <a:latin typeface="+mn-ea"/>
+            </a:endParaRPr>
+          </a:p>
+          <a:p>
+            <a:pPr>
+              <a:lnSpc>
+                <a:spcPct val="130000"/>
+              </a:lnSpc>
+            </a:pPr>
+            <a:r>
+              <a:rPr lang="en-US" altLang="ko-KR" sz="1600" dirty="0">
+                <a:latin typeface="+mn-ea"/>
+              </a:rPr>
+              <a:t>  lock conversation </a:t>
+            </a:r>
+            <a:r>
+              <a:rPr lang="ko-KR" altLang="en-US" sz="1600" dirty="0">
+                <a:latin typeface="+mn-ea"/>
+              </a:rPr>
+              <a:t>설정 필요할 수 있음</a:t>
+            </a:r>
+            <a:r>
+              <a:rPr lang="en-US" altLang="ko-KR" sz="1600" dirty="0">
+                <a:latin typeface="+mn-ea"/>
+              </a:rPr>
+              <a:t>.</a:t>
+            </a:r>
+          </a:p>
+        </p:txBody>
+      </p:sp>
+      <p:pic>
+        <p:nvPicPr>
+          <p:cNvPr id="8" name="그림 7">
+            <a:extLst>
+              <a:ext uri="{FF2B5EF4-FFF2-40B4-BE49-F238E27FC236}">
+                <a16:creationId xmlns:a16="http://schemas.microsoft.com/office/drawing/2014/main" id="{0C060153-DEB4-43A2-A948-CA00E444971F}"/>
+              </a:ext>
+            </a:extLst>
+          </p:cNvPr>
+          <p:cNvPicPr>
+            <a:picLocks noChangeAspect="1"/>
+          </p:cNvPicPr>
+          <p:nvPr/>
+        </p:nvPicPr>
+        <p:blipFill>
+          <a:blip r:embed="rId3"/>
+          <a:stretch>
+            <a:fillRect/>
+          </a:stretch>
+        </p:blipFill>
+        <p:spPr>
+          <a:xfrm>
+            <a:off x="6183787" y="3155407"/>
+            <a:ext cx="2800350" cy="3438525"/>
+          </a:xfrm>
+          <a:prstGeom prst="rect">
+            <a:avLst/>
+          </a:prstGeom>
+        </p:spPr>
+      </p:pic>
+      <p:cxnSp>
+        <p:nvCxnSpPr>
+          <p:cNvPr id="9" name="직선 화살표 연결선 8">
+            <a:extLst>
+              <a:ext uri="{FF2B5EF4-FFF2-40B4-BE49-F238E27FC236}">
+                <a16:creationId xmlns:a16="http://schemas.microsoft.com/office/drawing/2014/main" id="{64F2A0F5-DD68-463E-A838-B5202F96728E}"/>
+              </a:ext>
+            </a:extLst>
+          </p:cNvPr>
+          <p:cNvCxnSpPr>
+            <a:cxnSpLocks/>
+          </p:cNvCxnSpPr>
+          <p:nvPr/>
+        </p:nvCxnSpPr>
+        <p:spPr>
+          <a:xfrm>
+            <a:off x="4572000" y="5242882"/>
+            <a:ext cx="1774371" cy="91118"/>
+          </a:xfrm>
+          <a:prstGeom prst="straightConnector1">
+            <a:avLst/>
+          </a:prstGeom>
+          <a:ln w="25400">
+            <a:solidFill>
+              <a:schemeClr val="accent1">
+                <a:lumMod val="60000"/>
+                <a:lumOff val="40000"/>
+              </a:schemeClr>
+            </a:solidFill>
+            <a:tailEnd type="triangle"/>
+          </a:ln>
+        </p:spPr>
+        <p:style>
+          <a:lnRef idx="1">
+            <a:schemeClr val="accent1"/>
+          </a:lnRef>
+          <a:fillRef idx="0">
+            <a:schemeClr val="accent1"/>
+          </a:fillRef>
+          <a:effectRef idx="0">
+            <a:schemeClr val="accent1"/>
+          </a:effectRef>
+          <a:fontRef idx="minor">
+            <a:schemeClr val="tx1"/>
+          </a:fontRef>
+        </p:style>
+      </p:cxnSp>
     </p:spTree>
     <p:extLst>
       <p:ext uri="{BB962C8B-B14F-4D97-AF65-F5344CB8AC3E}">

--- a/git및github첫걸음7-issuetracker.pptx
+++ b/git및github첫걸음7-issuetracker.pptx
@@ -241,7 +241,7 @@
           <a:p>
             <a:fld id="{A17B9194-BDE3-40E3-983E-94CE6FA773AF}" type="datetimeFigureOut">
               <a:rPr lang="ko-KR" altLang="en-US" smtClean="0"/>
-              <a:t>2021-04-14</a:t>
+              <a:t>2021-04-15</a:t>
             </a:fld>
             <a:endParaRPr lang="ko-KR" altLang="en-US"/>
           </a:p>
@@ -3786,6 +3786,47 @@
           </a:p>
         </p:txBody>
       </p:sp>
+      <p:sp>
+        <p:nvSpPr>
+          <p:cNvPr id="6" name="Slide Number Placeholder 5"/>
+          <p:cNvSpPr>
+            <a:spLocks noGrp="1"/>
+          </p:cNvSpPr>
+          <p:nvPr>
+            <p:ph type="sldNum" sz="quarter" idx="12"/>
+          </p:nvPr>
+        </p:nvSpPr>
+        <p:spPr>
+          <a:xfrm>
+            <a:off x="6457950" y="6356351"/>
+            <a:ext cx="2057400" cy="365125"/>
+          </a:xfrm>
+        </p:spPr>
+        <p:txBody>
+          <a:bodyPr/>
+          <a:lstStyle>
+            <a:lvl1pPr>
+              <a:defRPr>
+                <a:solidFill>
+                  <a:srgbClr val="FFFF00"/>
+                </a:solidFill>
+              </a:defRPr>
+            </a:lvl1pPr>
+          </a:lstStyle>
+          <a:p>
+            <a:fld id="{526ADF51-C4A2-4521-899C-87F34FDB9C0A}" type="slidenum">
+              <a:rPr lang="ko-KR" altLang="en-US" smtClean="0"/>
+              <a:pPr/>
+              <a:t>‹#›</a:t>
+            </a:fld>
+            <a:r>
+              <a:rPr lang="en-US" altLang="ko-KR" dirty="0" smtClean="0"/>
+              <a:t>/33</a:t>
+            </a:r>
+            <a:endParaRPr lang="ko-KR" altLang="en-US" dirty="0"/>
+          </a:p>
+        </p:txBody>
+      </p:sp>
     </p:spTree>
     <p:extLst>
       <p:ext uri="{BB962C8B-B14F-4D97-AF65-F5344CB8AC3E}">
@@ -3928,10 +3969,6 @@
           <a:bodyPr/>
           <a:lstStyle/>
           <a:p>
-            <a:fld id="{30E72A5D-AC2D-4154-80BD-D3C3745E4EB5}" type="datetimeFigureOut">
-              <a:rPr lang="ko-KR" altLang="en-US" smtClean="0"/>
-              <a:t>2021-04-14</a:t>
-            </a:fld>
             <a:endParaRPr lang="ko-KR" altLang="en-US"/>
           </a:p>
         </p:txBody>
@@ -4141,10 +4178,6 @@
             </a:lvl1pPr>
           </a:lstStyle>
           <a:p>
-            <a:fld id="{30E72A5D-AC2D-4154-80BD-D3C3745E4EB5}" type="datetimeFigureOut">
-              <a:rPr lang="ko-KR" altLang="en-US" smtClean="0"/>
-              <a:t>2021-04-14</a:t>
-            </a:fld>
             <a:endParaRPr lang="ko-KR" altLang="en-US"/>
           </a:p>
         </p:txBody>
@@ -4239,6 +4272,7 @@
     <p:sldLayoutId id="2147483674" r:id="rId1"/>
     <p:sldLayoutId id="2147483661" r:id="rId2"/>
   </p:sldLayoutIdLst>
+  <p:hf hdr="0" ftr="0" dt="0"/>
   <p:txStyles>
     <p:titleStyle>
       <a:lvl1pPr algn="l" defTabSz="914400" rtl="0" eaLnBrk="1" latinLnBrk="1" hangingPunct="1">
@@ -5709,6 +5743,34 @@
           </a:fontRef>
         </p:style>
       </p:cxnSp>
+      <p:sp>
+        <p:nvSpPr>
+          <p:cNvPr id="2" name="슬라이드 번호 개체 틀 1"/>
+          <p:cNvSpPr>
+            <a:spLocks noGrp="1"/>
+          </p:cNvSpPr>
+          <p:nvPr>
+            <p:ph type="sldNum" sz="quarter" idx="12"/>
+          </p:nvPr>
+        </p:nvSpPr>
+        <p:spPr/>
+        <p:txBody>
+          <a:bodyPr/>
+          <a:lstStyle/>
+          <a:p>
+            <a:fld id="{526ADF51-C4A2-4521-899C-87F34FDB9C0A}" type="slidenum">
+              <a:rPr lang="ko-KR" altLang="en-US" smtClean="0"/>
+              <a:pPr/>
+              <a:t>10</a:t>
+            </a:fld>
+            <a:r>
+              <a:rPr lang="en-US" altLang="ko-KR" smtClean="0"/>
+              <a:t>/33</a:t>
+            </a:r>
+            <a:endParaRPr lang="ko-KR" altLang="en-US" dirty="0"/>
+          </a:p>
+        </p:txBody>
+      </p:sp>
     </p:spTree>
     <p:extLst>
       <p:ext uri="{BB962C8B-B14F-4D97-AF65-F5344CB8AC3E}">
@@ -6592,6 +6654,34 @@
                 <a:srgbClr val="FF0000"/>
               </a:solidFill>
             </a:endParaRPr>
+          </a:p>
+        </p:txBody>
+      </p:sp>
+      <p:sp>
+        <p:nvSpPr>
+          <p:cNvPr id="2" name="슬라이드 번호 개체 틀 1"/>
+          <p:cNvSpPr>
+            <a:spLocks noGrp="1"/>
+          </p:cNvSpPr>
+          <p:nvPr>
+            <p:ph type="sldNum" sz="quarter" idx="12"/>
+          </p:nvPr>
+        </p:nvSpPr>
+        <p:spPr/>
+        <p:txBody>
+          <a:bodyPr/>
+          <a:lstStyle/>
+          <a:p>
+            <a:fld id="{526ADF51-C4A2-4521-899C-87F34FDB9C0A}" type="slidenum">
+              <a:rPr lang="ko-KR" altLang="en-US" smtClean="0"/>
+              <a:pPr/>
+              <a:t>11</a:t>
+            </a:fld>
+            <a:r>
+              <a:rPr lang="en-US" altLang="ko-KR" smtClean="0"/>
+              <a:t>/33</a:t>
+            </a:r>
+            <a:endParaRPr lang="ko-KR" altLang="en-US" dirty="0"/>
           </a:p>
         </p:txBody>
       </p:sp>
@@ -7183,6 +7273,34 @@
           </a:fontRef>
         </p:style>
       </p:cxnSp>
+      <p:sp>
+        <p:nvSpPr>
+          <p:cNvPr id="2" name="슬라이드 번호 개체 틀 1"/>
+          <p:cNvSpPr>
+            <a:spLocks noGrp="1"/>
+          </p:cNvSpPr>
+          <p:nvPr>
+            <p:ph type="sldNum" sz="quarter" idx="12"/>
+          </p:nvPr>
+        </p:nvSpPr>
+        <p:spPr/>
+        <p:txBody>
+          <a:bodyPr/>
+          <a:lstStyle/>
+          <a:p>
+            <a:fld id="{526ADF51-C4A2-4521-899C-87F34FDB9C0A}" type="slidenum">
+              <a:rPr lang="ko-KR" altLang="en-US" smtClean="0"/>
+              <a:pPr/>
+              <a:t>12</a:t>
+            </a:fld>
+            <a:r>
+              <a:rPr lang="en-US" altLang="ko-KR" smtClean="0"/>
+              <a:t>/33</a:t>
+            </a:r>
+            <a:endParaRPr lang="ko-KR" altLang="en-US" dirty="0"/>
+          </a:p>
+        </p:txBody>
+      </p:sp>
     </p:spTree>
     <p:extLst>
       <p:ext uri="{BB962C8B-B14F-4D97-AF65-F5344CB8AC3E}">
@@ -7743,6 +7861,34 @@
           </a:p>
         </p:txBody>
       </p:sp>
+      <p:sp>
+        <p:nvSpPr>
+          <p:cNvPr id="2" name="슬라이드 번호 개체 틀 1"/>
+          <p:cNvSpPr>
+            <a:spLocks noGrp="1"/>
+          </p:cNvSpPr>
+          <p:nvPr>
+            <p:ph type="sldNum" sz="quarter" idx="12"/>
+          </p:nvPr>
+        </p:nvSpPr>
+        <p:spPr/>
+        <p:txBody>
+          <a:bodyPr/>
+          <a:lstStyle/>
+          <a:p>
+            <a:fld id="{526ADF51-C4A2-4521-899C-87F34FDB9C0A}" type="slidenum">
+              <a:rPr lang="ko-KR" altLang="en-US" smtClean="0"/>
+              <a:pPr/>
+              <a:t>13</a:t>
+            </a:fld>
+            <a:r>
+              <a:rPr lang="en-US" altLang="ko-KR" smtClean="0"/>
+              <a:t>/33</a:t>
+            </a:r>
+            <a:endParaRPr lang="ko-KR" altLang="en-US" dirty="0"/>
+          </a:p>
+        </p:txBody>
+      </p:sp>
     </p:spTree>
     <p:extLst>
       <p:ext uri="{BB962C8B-B14F-4D97-AF65-F5344CB8AC3E}">
@@ -8171,6 +8317,34 @@
           </a:p>
         </p:txBody>
       </p:sp>
+      <p:sp>
+        <p:nvSpPr>
+          <p:cNvPr id="2" name="슬라이드 번호 개체 틀 1"/>
+          <p:cNvSpPr>
+            <a:spLocks noGrp="1"/>
+          </p:cNvSpPr>
+          <p:nvPr>
+            <p:ph type="sldNum" sz="quarter" idx="12"/>
+          </p:nvPr>
+        </p:nvSpPr>
+        <p:spPr/>
+        <p:txBody>
+          <a:bodyPr/>
+          <a:lstStyle/>
+          <a:p>
+            <a:fld id="{526ADF51-C4A2-4521-899C-87F34FDB9C0A}" type="slidenum">
+              <a:rPr lang="ko-KR" altLang="en-US" smtClean="0"/>
+              <a:pPr/>
+              <a:t>14</a:t>
+            </a:fld>
+            <a:r>
+              <a:rPr lang="en-US" altLang="ko-KR" smtClean="0"/>
+              <a:t>/33</a:t>
+            </a:r>
+            <a:endParaRPr lang="ko-KR" altLang="en-US" dirty="0"/>
+          </a:p>
+        </p:txBody>
+      </p:sp>
     </p:spTree>
     <p:extLst>
       <p:ext uri="{BB962C8B-B14F-4D97-AF65-F5344CB8AC3E}">
@@ -8688,6 +8862,34 @@
           </a:p>
         </p:txBody>
       </p:sp>
+      <p:sp>
+        <p:nvSpPr>
+          <p:cNvPr id="2" name="슬라이드 번호 개체 틀 1"/>
+          <p:cNvSpPr>
+            <a:spLocks noGrp="1"/>
+          </p:cNvSpPr>
+          <p:nvPr>
+            <p:ph type="sldNum" sz="quarter" idx="12"/>
+          </p:nvPr>
+        </p:nvSpPr>
+        <p:spPr/>
+        <p:txBody>
+          <a:bodyPr/>
+          <a:lstStyle/>
+          <a:p>
+            <a:fld id="{526ADF51-C4A2-4521-899C-87F34FDB9C0A}" type="slidenum">
+              <a:rPr lang="ko-KR" altLang="en-US" smtClean="0"/>
+              <a:pPr/>
+              <a:t>15</a:t>
+            </a:fld>
+            <a:r>
+              <a:rPr lang="en-US" altLang="ko-KR" smtClean="0"/>
+              <a:t>/33</a:t>
+            </a:r>
+            <a:endParaRPr lang="ko-KR" altLang="en-US" dirty="0"/>
+          </a:p>
+        </p:txBody>
+      </p:sp>
     </p:spTree>
     <p:extLst>
       <p:ext uri="{BB962C8B-B14F-4D97-AF65-F5344CB8AC3E}">
@@ -9100,6 +9302,34 @@
           </a:p>
         </p:txBody>
       </p:sp>
+      <p:sp>
+        <p:nvSpPr>
+          <p:cNvPr id="2" name="슬라이드 번호 개체 틀 1"/>
+          <p:cNvSpPr>
+            <a:spLocks noGrp="1"/>
+          </p:cNvSpPr>
+          <p:nvPr>
+            <p:ph type="sldNum" sz="quarter" idx="12"/>
+          </p:nvPr>
+        </p:nvSpPr>
+        <p:spPr/>
+        <p:txBody>
+          <a:bodyPr/>
+          <a:lstStyle/>
+          <a:p>
+            <a:fld id="{526ADF51-C4A2-4521-899C-87F34FDB9C0A}" type="slidenum">
+              <a:rPr lang="ko-KR" altLang="en-US" smtClean="0"/>
+              <a:pPr/>
+              <a:t>16</a:t>
+            </a:fld>
+            <a:r>
+              <a:rPr lang="en-US" altLang="ko-KR" smtClean="0"/>
+              <a:t>/33</a:t>
+            </a:r>
+            <a:endParaRPr lang="ko-KR" altLang="en-US" dirty="0"/>
+          </a:p>
+        </p:txBody>
+      </p:sp>
     </p:spTree>
     <p:extLst>
       <p:ext uri="{BB962C8B-B14F-4D97-AF65-F5344CB8AC3E}">
@@ -9496,6 +9726,34 @@
           </a:prstGeom>
         </p:spPr>
       </p:pic>
+      <p:sp>
+        <p:nvSpPr>
+          <p:cNvPr id="2" name="슬라이드 번호 개체 틀 1"/>
+          <p:cNvSpPr>
+            <a:spLocks noGrp="1"/>
+          </p:cNvSpPr>
+          <p:nvPr>
+            <p:ph type="sldNum" sz="quarter" idx="12"/>
+          </p:nvPr>
+        </p:nvSpPr>
+        <p:spPr/>
+        <p:txBody>
+          <a:bodyPr/>
+          <a:lstStyle/>
+          <a:p>
+            <a:fld id="{526ADF51-C4A2-4521-899C-87F34FDB9C0A}" type="slidenum">
+              <a:rPr lang="ko-KR" altLang="en-US" smtClean="0"/>
+              <a:pPr/>
+              <a:t>17</a:t>
+            </a:fld>
+            <a:r>
+              <a:rPr lang="en-US" altLang="ko-KR" smtClean="0"/>
+              <a:t>/33</a:t>
+            </a:r>
+            <a:endParaRPr lang="ko-KR" altLang="en-US" dirty="0"/>
+          </a:p>
+        </p:txBody>
+      </p:sp>
     </p:spTree>
     <p:extLst>
       <p:ext uri="{BB962C8B-B14F-4D97-AF65-F5344CB8AC3E}">
@@ -10189,6 +10447,34 @@
           </a:fontRef>
         </p:style>
       </p:cxnSp>
+      <p:sp>
+        <p:nvSpPr>
+          <p:cNvPr id="2" name="슬라이드 번호 개체 틀 1"/>
+          <p:cNvSpPr>
+            <a:spLocks noGrp="1"/>
+          </p:cNvSpPr>
+          <p:nvPr>
+            <p:ph type="sldNum" sz="quarter" idx="12"/>
+          </p:nvPr>
+        </p:nvSpPr>
+        <p:spPr/>
+        <p:txBody>
+          <a:bodyPr/>
+          <a:lstStyle/>
+          <a:p>
+            <a:fld id="{526ADF51-C4A2-4521-899C-87F34FDB9C0A}" type="slidenum">
+              <a:rPr lang="ko-KR" altLang="en-US" smtClean="0"/>
+              <a:pPr/>
+              <a:t>18</a:t>
+            </a:fld>
+            <a:r>
+              <a:rPr lang="en-US" altLang="ko-KR" smtClean="0"/>
+              <a:t>/33</a:t>
+            </a:r>
+            <a:endParaRPr lang="ko-KR" altLang="en-US" dirty="0"/>
+          </a:p>
+        </p:txBody>
+      </p:sp>
     </p:spTree>
     <p:extLst>
       <p:ext uri="{BB962C8B-B14F-4D97-AF65-F5344CB8AC3E}">
@@ -10813,6 +11099,34 @@
           </a:p>
         </p:txBody>
       </p:sp>
+      <p:sp>
+        <p:nvSpPr>
+          <p:cNvPr id="2" name="슬라이드 번호 개체 틀 1"/>
+          <p:cNvSpPr>
+            <a:spLocks noGrp="1"/>
+          </p:cNvSpPr>
+          <p:nvPr>
+            <p:ph type="sldNum" sz="quarter" idx="12"/>
+          </p:nvPr>
+        </p:nvSpPr>
+        <p:spPr/>
+        <p:txBody>
+          <a:bodyPr/>
+          <a:lstStyle/>
+          <a:p>
+            <a:fld id="{526ADF51-C4A2-4521-899C-87F34FDB9C0A}" type="slidenum">
+              <a:rPr lang="ko-KR" altLang="en-US" smtClean="0"/>
+              <a:pPr/>
+              <a:t>19</a:t>
+            </a:fld>
+            <a:r>
+              <a:rPr lang="en-US" altLang="ko-KR" smtClean="0"/>
+              <a:t>/33</a:t>
+            </a:r>
+            <a:endParaRPr lang="ko-KR" altLang="en-US" dirty="0"/>
+          </a:p>
+        </p:txBody>
+      </p:sp>
     </p:spTree>
     <p:extLst>
       <p:ext uri="{BB962C8B-B14F-4D97-AF65-F5344CB8AC3E}">
@@ -11837,6 +12151,34 @@
           </a:fontRef>
         </p:style>
       </p:cxnSp>
+      <p:sp>
+        <p:nvSpPr>
+          <p:cNvPr id="2" name="슬라이드 번호 개체 틀 1"/>
+          <p:cNvSpPr>
+            <a:spLocks noGrp="1"/>
+          </p:cNvSpPr>
+          <p:nvPr>
+            <p:ph type="sldNum" sz="quarter" idx="12"/>
+          </p:nvPr>
+        </p:nvSpPr>
+        <p:spPr/>
+        <p:txBody>
+          <a:bodyPr/>
+          <a:lstStyle/>
+          <a:p>
+            <a:fld id="{526ADF51-C4A2-4521-899C-87F34FDB9C0A}" type="slidenum">
+              <a:rPr lang="ko-KR" altLang="en-US" smtClean="0"/>
+              <a:pPr/>
+              <a:t>2</a:t>
+            </a:fld>
+            <a:r>
+              <a:rPr lang="en-US" altLang="ko-KR" smtClean="0"/>
+              <a:t>/33</a:t>
+            </a:r>
+            <a:endParaRPr lang="ko-KR" altLang="en-US" dirty="0"/>
+          </a:p>
+        </p:txBody>
+      </p:sp>
     </p:spTree>
     <p:extLst>
       <p:ext uri="{BB962C8B-B14F-4D97-AF65-F5344CB8AC3E}">
@@ -12269,6 +12611,34 @@
           </a:p>
         </p:txBody>
       </p:sp>
+      <p:sp>
+        <p:nvSpPr>
+          <p:cNvPr id="2" name="슬라이드 번호 개체 틀 1"/>
+          <p:cNvSpPr>
+            <a:spLocks noGrp="1"/>
+          </p:cNvSpPr>
+          <p:nvPr>
+            <p:ph type="sldNum" sz="quarter" idx="12"/>
+          </p:nvPr>
+        </p:nvSpPr>
+        <p:spPr/>
+        <p:txBody>
+          <a:bodyPr/>
+          <a:lstStyle/>
+          <a:p>
+            <a:fld id="{526ADF51-C4A2-4521-899C-87F34FDB9C0A}" type="slidenum">
+              <a:rPr lang="ko-KR" altLang="en-US" smtClean="0"/>
+              <a:pPr/>
+              <a:t>20</a:t>
+            </a:fld>
+            <a:r>
+              <a:rPr lang="en-US" altLang="ko-KR" smtClean="0"/>
+              <a:t>/33</a:t>
+            </a:r>
+            <a:endParaRPr lang="ko-KR" altLang="en-US" dirty="0"/>
+          </a:p>
+        </p:txBody>
+      </p:sp>
     </p:spTree>
     <p:extLst>
       <p:ext uri="{BB962C8B-B14F-4D97-AF65-F5344CB8AC3E}">
@@ -12675,6 +13045,34 @@
           </a:p>
         </p:txBody>
       </p:sp>
+      <p:sp>
+        <p:nvSpPr>
+          <p:cNvPr id="2" name="슬라이드 번호 개체 틀 1"/>
+          <p:cNvSpPr>
+            <a:spLocks noGrp="1"/>
+          </p:cNvSpPr>
+          <p:nvPr>
+            <p:ph type="sldNum" sz="quarter" idx="12"/>
+          </p:nvPr>
+        </p:nvSpPr>
+        <p:spPr/>
+        <p:txBody>
+          <a:bodyPr/>
+          <a:lstStyle/>
+          <a:p>
+            <a:fld id="{526ADF51-C4A2-4521-899C-87F34FDB9C0A}" type="slidenum">
+              <a:rPr lang="ko-KR" altLang="en-US" smtClean="0"/>
+              <a:pPr/>
+              <a:t>21</a:t>
+            </a:fld>
+            <a:r>
+              <a:rPr lang="en-US" altLang="ko-KR" smtClean="0"/>
+              <a:t>/33</a:t>
+            </a:r>
+            <a:endParaRPr lang="ko-KR" altLang="en-US" dirty="0"/>
+          </a:p>
+        </p:txBody>
+      </p:sp>
     </p:spTree>
     <p:extLst>
       <p:ext uri="{BB962C8B-B14F-4D97-AF65-F5344CB8AC3E}">
@@ -13200,6 +13598,34 @@
           </a:p>
         </p:txBody>
       </p:sp>
+      <p:sp>
+        <p:nvSpPr>
+          <p:cNvPr id="2" name="슬라이드 번호 개체 틀 1"/>
+          <p:cNvSpPr>
+            <a:spLocks noGrp="1"/>
+          </p:cNvSpPr>
+          <p:nvPr>
+            <p:ph type="sldNum" sz="quarter" idx="12"/>
+          </p:nvPr>
+        </p:nvSpPr>
+        <p:spPr/>
+        <p:txBody>
+          <a:bodyPr/>
+          <a:lstStyle/>
+          <a:p>
+            <a:fld id="{526ADF51-C4A2-4521-899C-87F34FDB9C0A}" type="slidenum">
+              <a:rPr lang="ko-KR" altLang="en-US" smtClean="0"/>
+              <a:pPr/>
+              <a:t>22</a:t>
+            </a:fld>
+            <a:r>
+              <a:rPr lang="en-US" altLang="ko-KR" smtClean="0"/>
+              <a:t>/33</a:t>
+            </a:r>
+            <a:endParaRPr lang="ko-KR" altLang="en-US" dirty="0"/>
+          </a:p>
+        </p:txBody>
+      </p:sp>
     </p:spTree>
     <p:extLst>
       <p:ext uri="{BB962C8B-B14F-4D97-AF65-F5344CB8AC3E}">
@@ -13731,6 +14157,34 @@
           </a:p>
         </p:txBody>
       </p:sp>
+      <p:sp>
+        <p:nvSpPr>
+          <p:cNvPr id="2" name="슬라이드 번호 개체 틀 1"/>
+          <p:cNvSpPr>
+            <a:spLocks noGrp="1"/>
+          </p:cNvSpPr>
+          <p:nvPr>
+            <p:ph type="sldNum" sz="quarter" idx="12"/>
+          </p:nvPr>
+        </p:nvSpPr>
+        <p:spPr/>
+        <p:txBody>
+          <a:bodyPr/>
+          <a:lstStyle/>
+          <a:p>
+            <a:fld id="{526ADF51-C4A2-4521-899C-87F34FDB9C0A}" type="slidenum">
+              <a:rPr lang="ko-KR" altLang="en-US" smtClean="0"/>
+              <a:pPr/>
+              <a:t>23</a:t>
+            </a:fld>
+            <a:r>
+              <a:rPr lang="en-US" altLang="ko-KR" smtClean="0"/>
+              <a:t>/33</a:t>
+            </a:r>
+            <a:endParaRPr lang="ko-KR" altLang="en-US" dirty="0"/>
+          </a:p>
+        </p:txBody>
+      </p:sp>
     </p:spTree>
     <p:extLst>
       <p:ext uri="{BB962C8B-B14F-4D97-AF65-F5344CB8AC3E}">
@@ -14142,6 +14596,34 @@
           </a:p>
         </p:txBody>
       </p:sp>
+      <p:sp>
+        <p:nvSpPr>
+          <p:cNvPr id="2" name="슬라이드 번호 개체 틀 1"/>
+          <p:cNvSpPr>
+            <a:spLocks noGrp="1"/>
+          </p:cNvSpPr>
+          <p:nvPr>
+            <p:ph type="sldNum" sz="quarter" idx="12"/>
+          </p:nvPr>
+        </p:nvSpPr>
+        <p:spPr/>
+        <p:txBody>
+          <a:bodyPr/>
+          <a:lstStyle/>
+          <a:p>
+            <a:fld id="{526ADF51-C4A2-4521-899C-87F34FDB9C0A}" type="slidenum">
+              <a:rPr lang="ko-KR" altLang="en-US" smtClean="0"/>
+              <a:pPr/>
+              <a:t>24</a:t>
+            </a:fld>
+            <a:r>
+              <a:rPr lang="en-US" altLang="ko-KR" smtClean="0"/>
+              <a:t>/33</a:t>
+            </a:r>
+            <a:endParaRPr lang="ko-KR" altLang="en-US" dirty="0"/>
+          </a:p>
+        </p:txBody>
+      </p:sp>
     </p:spTree>
     <p:extLst>
       <p:ext uri="{BB962C8B-B14F-4D97-AF65-F5344CB8AC3E}">
@@ -14656,6 +15138,34 @@
           </a:p>
         </p:txBody>
       </p:sp>
+      <p:sp>
+        <p:nvSpPr>
+          <p:cNvPr id="2" name="슬라이드 번호 개체 틀 1"/>
+          <p:cNvSpPr>
+            <a:spLocks noGrp="1"/>
+          </p:cNvSpPr>
+          <p:nvPr>
+            <p:ph type="sldNum" sz="quarter" idx="12"/>
+          </p:nvPr>
+        </p:nvSpPr>
+        <p:spPr/>
+        <p:txBody>
+          <a:bodyPr/>
+          <a:lstStyle/>
+          <a:p>
+            <a:fld id="{526ADF51-C4A2-4521-899C-87F34FDB9C0A}" type="slidenum">
+              <a:rPr lang="ko-KR" altLang="en-US" smtClean="0"/>
+              <a:pPr/>
+              <a:t>25</a:t>
+            </a:fld>
+            <a:r>
+              <a:rPr lang="en-US" altLang="ko-KR" smtClean="0"/>
+              <a:t>/33</a:t>
+            </a:r>
+            <a:endParaRPr lang="ko-KR" altLang="en-US" dirty="0"/>
+          </a:p>
+        </p:txBody>
+      </p:sp>
     </p:spTree>
     <p:extLst>
       <p:ext uri="{BB962C8B-B14F-4D97-AF65-F5344CB8AC3E}">
@@ -15223,6 +15733,34 @@
           </a:p>
         </p:txBody>
       </p:sp>
+      <p:sp>
+        <p:nvSpPr>
+          <p:cNvPr id="2" name="슬라이드 번호 개체 틀 1"/>
+          <p:cNvSpPr>
+            <a:spLocks noGrp="1"/>
+          </p:cNvSpPr>
+          <p:nvPr>
+            <p:ph type="sldNum" sz="quarter" idx="12"/>
+          </p:nvPr>
+        </p:nvSpPr>
+        <p:spPr/>
+        <p:txBody>
+          <a:bodyPr/>
+          <a:lstStyle/>
+          <a:p>
+            <a:fld id="{526ADF51-C4A2-4521-899C-87F34FDB9C0A}" type="slidenum">
+              <a:rPr lang="ko-KR" altLang="en-US" smtClean="0"/>
+              <a:pPr/>
+              <a:t>26</a:t>
+            </a:fld>
+            <a:r>
+              <a:rPr lang="en-US" altLang="ko-KR" smtClean="0"/>
+              <a:t>/33</a:t>
+            </a:r>
+            <a:endParaRPr lang="ko-KR" altLang="en-US" dirty="0"/>
+          </a:p>
+        </p:txBody>
+      </p:sp>
     </p:spTree>
     <p:extLst>
       <p:ext uri="{BB962C8B-B14F-4D97-AF65-F5344CB8AC3E}">
@@ -15881,6 +16419,34 @@
           </a:fontRef>
         </p:style>
       </p:cxnSp>
+      <p:sp>
+        <p:nvSpPr>
+          <p:cNvPr id="2" name="슬라이드 번호 개체 틀 1"/>
+          <p:cNvSpPr>
+            <a:spLocks noGrp="1"/>
+          </p:cNvSpPr>
+          <p:nvPr>
+            <p:ph type="sldNum" sz="quarter" idx="12"/>
+          </p:nvPr>
+        </p:nvSpPr>
+        <p:spPr/>
+        <p:txBody>
+          <a:bodyPr/>
+          <a:lstStyle/>
+          <a:p>
+            <a:fld id="{526ADF51-C4A2-4521-899C-87F34FDB9C0A}" type="slidenum">
+              <a:rPr lang="ko-KR" altLang="en-US" smtClean="0"/>
+              <a:pPr/>
+              <a:t>27</a:t>
+            </a:fld>
+            <a:r>
+              <a:rPr lang="en-US" altLang="ko-KR" smtClean="0"/>
+              <a:t>/33</a:t>
+            </a:r>
+            <a:endParaRPr lang="ko-KR" altLang="en-US" dirty="0"/>
+          </a:p>
+        </p:txBody>
+      </p:sp>
     </p:spTree>
     <p:extLst>
       <p:ext uri="{BB962C8B-B14F-4D97-AF65-F5344CB8AC3E}">
@@ -16312,6 +16878,34 @@
           </a:p>
         </p:txBody>
       </p:sp>
+      <p:sp>
+        <p:nvSpPr>
+          <p:cNvPr id="2" name="슬라이드 번호 개체 틀 1"/>
+          <p:cNvSpPr>
+            <a:spLocks noGrp="1"/>
+          </p:cNvSpPr>
+          <p:nvPr>
+            <p:ph type="sldNum" sz="quarter" idx="12"/>
+          </p:nvPr>
+        </p:nvSpPr>
+        <p:spPr/>
+        <p:txBody>
+          <a:bodyPr/>
+          <a:lstStyle/>
+          <a:p>
+            <a:fld id="{526ADF51-C4A2-4521-899C-87F34FDB9C0A}" type="slidenum">
+              <a:rPr lang="ko-KR" altLang="en-US" smtClean="0"/>
+              <a:pPr/>
+              <a:t>28</a:t>
+            </a:fld>
+            <a:r>
+              <a:rPr lang="en-US" altLang="ko-KR" smtClean="0"/>
+              <a:t>/33</a:t>
+            </a:r>
+            <a:endParaRPr lang="ko-KR" altLang="en-US" dirty="0"/>
+          </a:p>
+        </p:txBody>
+      </p:sp>
     </p:spTree>
     <p:extLst>
       <p:ext uri="{BB962C8B-B14F-4D97-AF65-F5344CB8AC3E}">
@@ -16924,6 +17518,34 @@
           </a:fontRef>
         </p:style>
       </p:cxnSp>
+      <p:sp>
+        <p:nvSpPr>
+          <p:cNvPr id="2" name="슬라이드 번호 개체 틀 1"/>
+          <p:cNvSpPr>
+            <a:spLocks noGrp="1"/>
+          </p:cNvSpPr>
+          <p:nvPr>
+            <p:ph type="sldNum" sz="quarter" idx="12"/>
+          </p:nvPr>
+        </p:nvSpPr>
+        <p:spPr/>
+        <p:txBody>
+          <a:bodyPr/>
+          <a:lstStyle/>
+          <a:p>
+            <a:fld id="{526ADF51-C4A2-4521-899C-87F34FDB9C0A}" type="slidenum">
+              <a:rPr lang="ko-KR" altLang="en-US" smtClean="0"/>
+              <a:pPr/>
+              <a:t>29</a:t>
+            </a:fld>
+            <a:r>
+              <a:rPr lang="en-US" altLang="ko-KR" smtClean="0"/>
+              <a:t>/33</a:t>
+            </a:r>
+            <a:endParaRPr lang="ko-KR" altLang="en-US" dirty="0"/>
+          </a:p>
+        </p:txBody>
+      </p:sp>
     </p:spTree>
     <p:extLst>
       <p:ext uri="{BB962C8B-B14F-4D97-AF65-F5344CB8AC3E}">
@@ -17746,6 +18368,34 @@
           </a:fontRef>
         </p:style>
       </p:cxnSp>
+      <p:sp>
+        <p:nvSpPr>
+          <p:cNvPr id="2" name="슬라이드 번호 개체 틀 1"/>
+          <p:cNvSpPr>
+            <a:spLocks noGrp="1"/>
+          </p:cNvSpPr>
+          <p:nvPr>
+            <p:ph type="sldNum" sz="quarter" idx="12"/>
+          </p:nvPr>
+        </p:nvSpPr>
+        <p:spPr/>
+        <p:txBody>
+          <a:bodyPr/>
+          <a:lstStyle/>
+          <a:p>
+            <a:fld id="{526ADF51-C4A2-4521-899C-87F34FDB9C0A}" type="slidenum">
+              <a:rPr lang="ko-KR" altLang="en-US" smtClean="0"/>
+              <a:pPr/>
+              <a:t>3</a:t>
+            </a:fld>
+            <a:r>
+              <a:rPr lang="en-US" altLang="ko-KR" smtClean="0"/>
+              <a:t>/33</a:t>
+            </a:r>
+            <a:endParaRPr lang="ko-KR" altLang="en-US" dirty="0"/>
+          </a:p>
+        </p:txBody>
+      </p:sp>
     </p:spTree>
     <p:extLst>
       <p:ext uri="{BB962C8B-B14F-4D97-AF65-F5344CB8AC3E}">
@@ -18365,6 +19015,34 @@
           </a:fontRef>
         </p:style>
       </p:cxnSp>
+      <p:sp>
+        <p:nvSpPr>
+          <p:cNvPr id="2" name="슬라이드 번호 개체 틀 1"/>
+          <p:cNvSpPr>
+            <a:spLocks noGrp="1"/>
+          </p:cNvSpPr>
+          <p:nvPr>
+            <p:ph type="sldNum" sz="quarter" idx="12"/>
+          </p:nvPr>
+        </p:nvSpPr>
+        <p:spPr/>
+        <p:txBody>
+          <a:bodyPr/>
+          <a:lstStyle/>
+          <a:p>
+            <a:fld id="{526ADF51-C4A2-4521-899C-87F34FDB9C0A}" type="slidenum">
+              <a:rPr lang="ko-KR" altLang="en-US" smtClean="0"/>
+              <a:pPr/>
+              <a:t>30</a:t>
+            </a:fld>
+            <a:r>
+              <a:rPr lang="en-US" altLang="ko-KR" smtClean="0"/>
+              <a:t>/33</a:t>
+            </a:r>
+            <a:endParaRPr lang="ko-KR" altLang="en-US" dirty="0"/>
+          </a:p>
+        </p:txBody>
+      </p:sp>
     </p:spTree>
     <p:extLst>
       <p:ext uri="{BB962C8B-B14F-4D97-AF65-F5344CB8AC3E}">
@@ -19289,6 +19967,34 @@
           </a:fontRef>
         </p:style>
       </p:cxnSp>
+      <p:sp>
+        <p:nvSpPr>
+          <p:cNvPr id="2" name="슬라이드 번호 개체 틀 1"/>
+          <p:cNvSpPr>
+            <a:spLocks noGrp="1"/>
+          </p:cNvSpPr>
+          <p:nvPr>
+            <p:ph type="sldNum" sz="quarter" idx="12"/>
+          </p:nvPr>
+        </p:nvSpPr>
+        <p:spPr/>
+        <p:txBody>
+          <a:bodyPr/>
+          <a:lstStyle/>
+          <a:p>
+            <a:fld id="{526ADF51-C4A2-4521-899C-87F34FDB9C0A}" type="slidenum">
+              <a:rPr lang="ko-KR" altLang="en-US" smtClean="0"/>
+              <a:pPr/>
+              <a:t>31</a:t>
+            </a:fld>
+            <a:r>
+              <a:rPr lang="en-US" altLang="ko-KR" smtClean="0"/>
+              <a:t>/33</a:t>
+            </a:r>
+            <a:endParaRPr lang="ko-KR" altLang="en-US" dirty="0"/>
+          </a:p>
+        </p:txBody>
+      </p:sp>
     </p:spTree>
     <p:extLst>
       <p:ext uri="{BB962C8B-B14F-4D97-AF65-F5344CB8AC3E}">
@@ -19734,6 +20440,34 @@
           </a:fontRef>
         </p:style>
       </p:cxnSp>
+      <p:sp>
+        <p:nvSpPr>
+          <p:cNvPr id="2" name="슬라이드 번호 개체 틀 1"/>
+          <p:cNvSpPr>
+            <a:spLocks noGrp="1"/>
+          </p:cNvSpPr>
+          <p:nvPr>
+            <p:ph type="sldNum" sz="quarter" idx="12"/>
+          </p:nvPr>
+        </p:nvSpPr>
+        <p:spPr/>
+        <p:txBody>
+          <a:bodyPr/>
+          <a:lstStyle/>
+          <a:p>
+            <a:fld id="{526ADF51-C4A2-4521-899C-87F34FDB9C0A}" type="slidenum">
+              <a:rPr lang="ko-KR" altLang="en-US" smtClean="0"/>
+              <a:pPr/>
+              <a:t>32</a:t>
+            </a:fld>
+            <a:r>
+              <a:rPr lang="en-US" altLang="ko-KR" smtClean="0"/>
+              <a:t>/33</a:t>
+            </a:r>
+            <a:endParaRPr lang="ko-KR" altLang="en-US" dirty="0"/>
+          </a:p>
+        </p:txBody>
+      </p:sp>
     </p:spTree>
     <p:extLst>
       <p:ext uri="{BB962C8B-B14F-4D97-AF65-F5344CB8AC3E}">
@@ -20138,6 +20872,34 @@
           </a:fontRef>
         </p:style>
       </p:cxnSp>
+      <p:sp>
+        <p:nvSpPr>
+          <p:cNvPr id="2" name="슬라이드 번호 개체 틀 1"/>
+          <p:cNvSpPr>
+            <a:spLocks noGrp="1"/>
+          </p:cNvSpPr>
+          <p:nvPr>
+            <p:ph type="sldNum" sz="quarter" idx="12"/>
+          </p:nvPr>
+        </p:nvSpPr>
+        <p:spPr/>
+        <p:txBody>
+          <a:bodyPr/>
+          <a:lstStyle/>
+          <a:p>
+            <a:fld id="{526ADF51-C4A2-4521-899C-87F34FDB9C0A}" type="slidenum">
+              <a:rPr lang="ko-KR" altLang="en-US" smtClean="0"/>
+              <a:pPr/>
+              <a:t>33</a:t>
+            </a:fld>
+            <a:r>
+              <a:rPr lang="en-US" altLang="ko-KR" smtClean="0"/>
+              <a:t>/33</a:t>
+            </a:r>
+            <a:endParaRPr lang="ko-KR" altLang="en-US" dirty="0"/>
+          </a:p>
+        </p:txBody>
+      </p:sp>
     </p:spTree>
     <p:extLst>
       <p:ext uri="{BB962C8B-B14F-4D97-AF65-F5344CB8AC3E}">
@@ -20554,6 +21316,34 @@
           </a:p>
         </p:txBody>
       </p:sp>
+      <p:sp>
+        <p:nvSpPr>
+          <p:cNvPr id="2" name="슬라이드 번호 개체 틀 1"/>
+          <p:cNvSpPr>
+            <a:spLocks noGrp="1"/>
+          </p:cNvSpPr>
+          <p:nvPr>
+            <p:ph type="sldNum" sz="quarter" idx="12"/>
+          </p:nvPr>
+        </p:nvSpPr>
+        <p:spPr/>
+        <p:txBody>
+          <a:bodyPr/>
+          <a:lstStyle/>
+          <a:p>
+            <a:fld id="{526ADF51-C4A2-4521-899C-87F34FDB9C0A}" type="slidenum">
+              <a:rPr lang="ko-KR" altLang="en-US" smtClean="0"/>
+              <a:pPr/>
+              <a:t>34</a:t>
+            </a:fld>
+            <a:r>
+              <a:rPr lang="en-US" altLang="ko-KR" smtClean="0"/>
+              <a:t>/33</a:t>
+            </a:r>
+            <a:endParaRPr lang="ko-KR" altLang="en-US" dirty="0"/>
+          </a:p>
+        </p:txBody>
+      </p:sp>
     </p:spTree>
     <p:extLst>
       <p:ext uri="{BB962C8B-B14F-4D97-AF65-F5344CB8AC3E}">
@@ -21329,6 +22119,34 @@
               </a:rPr>
               <a:t>클릭</a:t>
             </a:r>
+          </a:p>
+        </p:txBody>
+      </p:sp>
+      <p:sp>
+        <p:nvSpPr>
+          <p:cNvPr id="2" name="슬라이드 번호 개체 틀 1"/>
+          <p:cNvSpPr>
+            <a:spLocks noGrp="1"/>
+          </p:cNvSpPr>
+          <p:nvPr>
+            <p:ph type="sldNum" sz="quarter" idx="12"/>
+          </p:nvPr>
+        </p:nvSpPr>
+        <p:spPr/>
+        <p:txBody>
+          <a:bodyPr/>
+          <a:lstStyle/>
+          <a:p>
+            <a:fld id="{526ADF51-C4A2-4521-899C-87F34FDB9C0A}" type="slidenum">
+              <a:rPr lang="ko-KR" altLang="en-US" smtClean="0"/>
+              <a:pPr/>
+              <a:t>4</a:t>
+            </a:fld>
+            <a:r>
+              <a:rPr lang="en-US" altLang="ko-KR" smtClean="0"/>
+              <a:t>/33</a:t>
+            </a:r>
+            <a:endParaRPr lang="ko-KR" altLang="en-US" dirty="0"/>
           </a:p>
         </p:txBody>
       </p:sp>
@@ -21824,6 +22642,34 @@
           </a:p>
         </p:txBody>
       </p:sp>
+      <p:sp>
+        <p:nvSpPr>
+          <p:cNvPr id="2" name="슬라이드 번호 개체 틀 1"/>
+          <p:cNvSpPr>
+            <a:spLocks noGrp="1"/>
+          </p:cNvSpPr>
+          <p:nvPr>
+            <p:ph type="sldNum" sz="quarter" idx="12"/>
+          </p:nvPr>
+        </p:nvSpPr>
+        <p:spPr/>
+        <p:txBody>
+          <a:bodyPr/>
+          <a:lstStyle/>
+          <a:p>
+            <a:fld id="{526ADF51-C4A2-4521-899C-87F34FDB9C0A}" type="slidenum">
+              <a:rPr lang="ko-KR" altLang="en-US" smtClean="0"/>
+              <a:pPr/>
+              <a:t>5</a:t>
+            </a:fld>
+            <a:r>
+              <a:rPr lang="en-US" altLang="ko-KR" smtClean="0"/>
+              <a:t>/33</a:t>
+            </a:r>
+            <a:endParaRPr lang="ko-KR" altLang="en-US" dirty="0"/>
+          </a:p>
+        </p:txBody>
+      </p:sp>
     </p:spTree>
     <p:extLst>
       <p:ext uri="{BB962C8B-B14F-4D97-AF65-F5344CB8AC3E}">
@@ -22115,6 +22961,34 @@
           </a:p>
         </p:txBody>
       </p:sp>
+      <p:sp>
+        <p:nvSpPr>
+          <p:cNvPr id="2" name="슬라이드 번호 개체 틀 1"/>
+          <p:cNvSpPr>
+            <a:spLocks noGrp="1"/>
+          </p:cNvSpPr>
+          <p:nvPr>
+            <p:ph type="sldNum" sz="quarter" idx="12"/>
+          </p:nvPr>
+        </p:nvSpPr>
+        <p:spPr/>
+        <p:txBody>
+          <a:bodyPr/>
+          <a:lstStyle/>
+          <a:p>
+            <a:fld id="{526ADF51-C4A2-4521-899C-87F34FDB9C0A}" type="slidenum">
+              <a:rPr lang="ko-KR" altLang="en-US" smtClean="0"/>
+              <a:pPr/>
+              <a:t>6</a:t>
+            </a:fld>
+            <a:r>
+              <a:rPr lang="en-US" altLang="ko-KR" smtClean="0"/>
+              <a:t>/33</a:t>
+            </a:r>
+            <a:endParaRPr lang="ko-KR" altLang="en-US" dirty="0"/>
+          </a:p>
+        </p:txBody>
+      </p:sp>
     </p:spTree>
     <p:extLst>
       <p:ext uri="{BB962C8B-B14F-4D97-AF65-F5344CB8AC3E}">
@@ -22712,6 +23586,34 @@
           </a:p>
         </p:txBody>
       </p:sp>
+      <p:sp>
+        <p:nvSpPr>
+          <p:cNvPr id="2" name="슬라이드 번호 개체 틀 1"/>
+          <p:cNvSpPr>
+            <a:spLocks noGrp="1"/>
+          </p:cNvSpPr>
+          <p:nvPr>
+            <p:ph type="sldNum" sz="quarter" idx="12"/>
+          </p:nvPr>
+        </p:nvSpPr>
+        <p:spPr/>
+        <p:txBody>
+          <a:bodyPr/>
+          <a:lstStyle/>
+          <a:p>
+            <a:fld id="{526ADF51-C4A2-4521-899C-87F34FDB9C0A}" type="slidenum">
+              <a:rPr lang="ko-KR" altLang="en-US" smtClean="0"/>
+              <a:pPr/>
+              <a:t>7</a:t>
+            </a:fld>
+            <a:r>
+              <a:rPr lang="en-US" altLang="ko-KR" smtClean="0"/>
+              <a:t>/33</a:t>
+            </a:r>
+            <a:endParaRPr lang="ko-KR" altLang="en-US" dirty="0"/>
+          </a:p>
+        </p:txBody>
+      </p:sp>
     </p:spTree>
     <p:extLst>
       <p:ext uri="{BB962C8B-B14F-4D97-AF65-F5344CB8AC3E}">
@@ -23324,6 +24226,34 @@
           </a:fontRef>
         </p:style>
       </p:cxnSp>
+      <p:sp>
+        <p:nvSpPr>
+          <p:cNvPr id="2" name="슬라이드 번호 개체 틀 1"/>
+          <p:cNvSpPr>
+            <a:spLocks noGrp="1"/>
+          </p:cNvSpPr>
+          <p:nvPr>
+            <p:ph type="sldNum" sz="quarter" idx="12"/>
+          </p:nvPr>
+        </p:nvSpPr>
+        <p:spPr/>
+        <p:txBody>
+          <a:bodyPr/>
+          <a:lstStyle/>
+          <a:p>
+            <a:fld id="{526ADF51-C4A2-4521-899C-87F34FDB9C0A}" type="slidenum">
+              <a:rPr lang="ko-KR" altLang="en-US" smtClean="0"/>
+              <a:pPr/>
+              <a:t>8</a:t>
+            </a:fld>
+            <a:r>
+              <a:rPr lang="en-US" altLang="ko-KR" smtClean="0"/>
+              <a:t>/33</a:t>
+            </a:r>
+            <a:endParaRPr lang="ko-KR" altLang="en-US" dirty="0"/>
+          </a:p>
+        </p:txBody>
+      </p:sp>
     </p:spTree>
     <p:extLst>
       <p:ext uri="{BB962C8B-B14F-4D97-AF65-F5344CB8AC3E}">
@@ -23935,6 +24865,34 @@
           </a:fontRef>
         </p:style>
       </p:cxnSp>
+      <p:sp>
+        <p:nvSpPr>
+          <p:cNvPr id="3" name="슬라이드 번호 개체 틀 2"/>
+          <p:cNvSpPr>
+            <a:spLocks noGrp="1"/>
+          </p:cNvSpPr>
+          <p:nvPr>
+            <p:ph type="sldNum" sz="quarter" idx="12"/>
+          </p:nvPr>
+        </p:nvSpPr>
+        <p:spPr/>
+        <p:txBody>
+          <a:bodyPr/>
+          <a:lstStyle/>
+          <a:p>
+            <a:fld id="{526ADF51-C4A2-4521-899C-87F34FDB9C0A}" type="slidenum">
+              <a:rPr lang="ko-KR" altLang="en-US" smtClean="0"/>
+              <a:pPr/>
+              <a:t>9</a:t>
+            </a:fld>
+            <a:r>
+              <a:rPr lang="en-US" altLang="ko-KR" smtClean="0"/>
+              <a:t>/33</a:t>
+            </a:r>
+            <a:endParaRPr lang="ko-KR" altLang="en-US" dirty="0"/>
+          </a:p>
+        </p:txBody>
+      </p:sp>
     </p:spTree>
     <p:extLst>
       <p:ext uri="{BB962C8B-B14F-4D97-AF65-F5344CB8AC3E}">

--- a/git및github첫걸음7-issuetracker.pptx
+++ b/git및github첫걸음7-issuetracker.pptx
@@ -3821,7 +3821,7 @@
             </a:fld>
             <a:r>
               <a:rPr lang="en-US" altLang="ko-KR" dirty="0" smtClean="0"/>
-              <a:t>/33</a:t>
+              <a:t>/34</a:t>
             </a:r>
             <a:endParaRPr lang="ko-KR" altLang="en-US" dirty="0"/>
           </a:p>
@@ -4639,6 +4639,29 @@
           </a:prstGeom>
         </p:spPr>
       </p:pic>
+      <p:sp>
+        <p:nvSpPr>
+          <p:cNvPr id="3" name="슬라이드 번호 개체 틀 2"/>
+          <p:cNvSpPr>
+            <a:spLocks noGrp="1"/>
+          </p:cNvSpPr>
+          <p:nvPr>
+            <p:ph type="sldNum" sz="quarter" idx="12"/>
+          </p:nvPr>
+        </p:nvSpPr>
+        <p:spPr/>
+        <p:txBody>
+          <a:bodyPr/>
+          <a:lstStyle/>
+          <a:p>
+            <a:fld id="{526ADF51-C4A2-4521-899C-87F34FDB9C0A}" type="slidenum">
+              <a:rPr lang="ko-KR" altLang="en-US" smtClean="0"/>
+              <a:t>1</a:t>
+            </a:fld>
+            <a:endParaRPr lang="ko-KR" altLang="en-US"/>
+          </a:p>
+        </p:txBody>
+      </p:sp>
     </p:spTree>
     <p:extLst>
       <p:ext uri="{BB962C8B-B14F-4D97-AF65-F5344CB8AC3E}">
@@ -5745,7 +5768,7 @@
       </p:cxnSp>
       <p:sp>
         <p:nvSpPr>
-          <p:cNvPr id="2" name="슬라이드 번호 개체 틀 1"/>
+          <p:cNvPr id="5" name="슬라이드 번호 개체 틀 4"/>
           <p:cNvSpPr>
             <a:spLocks noGrp="1"/>
           </p:cNvSpPr>
@@ -5765,7 +5788,7 @@
             </a:fld>
             <a:r>
               <a:rPr lang="en-US" altLang="ko-KR" smtClean="0"/>
-              <a:t>/33</a:t>
+              <a:t>/34</a:t>
             </a:r>
             <a:endParaRPr lang="ko-KR" altLang="en-US" dirty="0"/>
           </a:p>
@@ -6659,7 +6682,7 @@
       </p:sp>
       <p:sp>
         <p:nvSpPr>
-          <p:cNvPr id="2" name="슬라이드 번호 개체 틀 1"/>
+          <p:cNvPr id="3" name="슬라이드 번호 개체 틀 2"/>
           <p:cNvSpPr>
             <a:spLocks noGrp="1"/>
           </p:cNvSpPr>
@@ -6679,7 +6702,7 @@
             </a:fld>
             <a:r>
               <a:rPr lang="en-US" altLang="ko-KR" smtClean="0"/>
-              <a:t>/33</a:t>
+              <a:t>/34</a:t>
             </a:r>
             <a:endParaRPr lang="ko-KR" altLang="en-US" dirty="0"/>
           </a:p>
@@ -7275,7 +7298,7 @@
       </p:cxnSp>
       <p:sp>
         <p:nvSpPr>
-          <p:cNvPr id="2" name="슬라이드 번호 개체 틀 1"/>
+          <p:cNvPr id="5" name="슬라이드 번호 개체 틀 4"/>
           <p:cNvSpPr>
             <a:spLocks noGrp="1"/>
           </p:cNvSpPr>
@@ -7295,7 +7318,7 @@
             </a:fld>
             <a:r>
               <a:rPr lang="en-US" altLang="ko-KR" smtClean="0"/>
-              <a:t>/33</a:t>
+              <a:t>/34</a:t>
             </a:r>
             <a:endParaRPr lang="ko-KR" altLang="en-US" dirty="0"/>
           </a:p>
@@ -7863,7 +7886,7 @@
       </p:sp>
       <p:sp>
         <p:nvSpPr>
-          <p:cNvPr id="2" name="슬라이드 번호 개체 틀 1"/>
+          <p:cNvPr id="3" name="슬라이드 번호 개체 틀 2"/>
           <p:cNvSpPr>
             <a:spLocks noGrp="1"/>
           </p:cNvSpPr>
@@ -7883,7 +7906,7 @@
             </a:fld>
             <a:r>
               <a:rPr lang="en-US" altLang="ko-KR" smtClean="0"/>
-              <a:t>/33</a:t>
+              <a:t>/34</a:t>
             </a:r>
             <a:endParaRPr lang="ko-KR" altLang="en-US" dirty="0"/>
           </a:p>
@@ -8319,7 +8342,7 @@
       </p:sp>
       <p:sp>
         <p:nvSpPr>
-          <p:cNvPr id="2" name="슬라이드 번호 개체 틀 1"/>
+          <p:cNvPr id="5" name="슬라이드 번호 개체 틀 4"/>
           <p:cNvSpPr>
             <a:spLocks noGrp="1"/>
           </p:cNvSpPr>
@@ -8339,7 +8362,7 @@
             </a:fld>
             <a:r>
               <a:rPr lang="en-US" altLang="ko-KR" smtClean="0"/>
-              <a:t>/33</a:t>
+              <a:t>/34</a:t>
             </a:r>
             <a:endParaRPr lang="ko-KR" altLang="en-US" dirty="0"/>
           </a:p>
@@ -8864,7 +8887,7 @@
       </p:sp>
       <p:sp>
         <p:nvSpPr>
-          <p:cNvPr id="2" name="슬라이드 번호 개체 틀 1"/>
+          <p:cNvPr id="3" name="슬라이드 번호 개체 틀 2"/>
           <p:cNvSpPr>
             <a:spLocks noGrp="1"/>
           </p:cNvSpPr>
@@ -8884,7 +8907,7 @@
             </a:fld>
             <a:r>
               <a:rPr lang="en-US" altLang="ko-KR" smtClean="0"/>
-              <a:t>/33</a:t>
+              <a:t>/34</a:t>
             </a:r>
             <a:endParaRPr lang="ko-KR" altLang="en-US" dirty="0"/>
           </a:p>
@@ -9304,7 +9327,7 @@
       </p:sp>
       <p:sp>
         <p:nvSpPr>
-          <p:cNvPr id="2" name="슬라이드 번호 개체 틀 1"/>
+          <p:cNvPr id="3" name="슬라이드 번호 개체 틀 2"/>
           <p:cNvSpPr>
             <a:spLocks noGrp="1"/>
           </p:cNvSpPr>
@@ -9324,7 +9347,7 @@
             </a:fld>
             <a:r>
               <a:rPr lang="en-US" altLang="ko-KR" smtClean="0"/>
-              <a:t>/33</a:t>
+              <a:t>/34</a:t>
             </a:r>
             <a:endParaRPr lang="ko-KR" altLang="en-US" dirty="0"/>
           </a:p>
@@ -9728,7 +9751,7 @@
       </p:pic>
       <p:sp>
         <p:nvSpPr>
-          <p:cNvPr id="2" name="슬라이드 번호 개체 틀 1"/>
+          <p:cNvPr id="5" name="슬라이드 번호 개체 틀 4"/>
           <p:cNvSpPr>
             <a:spLocks noGrp="1"/>
           </p:cNvSpPr>
@@ -9748,7 +9771,7 @@
             </a:fld>
             <a:r>
               <a:rPr lang="en-US" altLang="ko-KR" smtClean="0"/>
-              <a:t>/33</a:t>
+              <a:t>/34</a:t>
             </a:r>
             <a:endParaRPr lang="ko-KR" altLang="en-US" dirty="0"/>
           </a:p>
@@ -10449,7 +10472,7 @@
       </p:cxnSp>
       <p:sp>
         <p:nvSpPr>
-          <p:cNvPr id="2" name="슬라이드 번호 개체 틀 1"/>
+          <p:cNvPr id="3" name="슬라이드 번호 개체 틀 2"/>
           <p:cNvSpPr>
             <a:spLocks noGrp="1"/>
           </p:cNvSpPr>
@@ -10469,7 +10492,7 @@
             </a:fld>
             <a:r>
               <a:rPr lang="en-US" altLang="ko-KR" smtClean="0"/>
-              <a:t>/33</a:t>
+              <a:t>/34</a:t>
             </a:r>
             <a:endParaRPr lang="ko-KR" altLang="en-US" dirty="0"/>
           </a:p>
@@ -11101,7 +11124,7 @@
       </p:sp>
       <p:sp>
         <p:nvSpPr>
-          <p:cNvPr id="2" name="슬라이드 번호 개체 틀 1"/>
+          <p:cNvPr id="3" name="슬라이드 번호 개체 틀 2"/>
           <p:cNvSpPr>
             <a:spLocks noGrp="1"/>
           </p:cNvSpPr>
@@ -11121,7 +11144,7 @@
             </a:fld>
             <a:r>
               <a:rPr lang="en-US" altLang="ko-KR" smtClean="0"/>
-              <a:t>/33</a:t>
+              <a:t>/34</a:t>
             </a:r>
             <a:endParaRPr lang="ko-KR" altLang="en-US" dirty="0"/>
           </a:p>
@@ -12153,7 +12176,7 @@
       </p:cxnSp>
       <p:sp>
         <p:nvSpPr>
-          <p:cNvPr id="2" name="슬라이드 번호 개체 틀 1"/>
+          <p:cNvPr id="5" name="슬라이드 번호 개체 틀 4"/>
           <p:cNvSpPr>
             <a:spLocks noGrp="1"/>
           </p:cNvSpPr>
@@ -12173,7 +12196,7 @@
             </a:fld>
             <a:r>
               <a:rPr lang="en-US" altLang="ko-KR" smtClean="0"/>
-              <a:t>/33</a:t>
+              <a:t>/34</a:t>
             </a:r>
             <a:endParaRPr lang="ko-KR" altLang="en-US" dirty="0"/>
           </a:p>
@@ -12613,7 +12636,7 @@
       </p:sp>
       <p:sp>
         <p:nvSpPr>
-          <p:cNvPr id="2" name="슬라이드 번호 개체 틀 1"/>
+          <p:cNvPr id="5" name="슬라이드 번호 개체 틀 4"/>
           <p:cNvSpPr>
             <a:spLocks noGrp="1"/>
           </p:cNvSpPr>
@@ -12633,7 +12656,7 @@
             </a:fld>
             <a:r>
               <a:rPr lang="en-US" altLang="ko-KR" smtClean="0"/>
-              <a:t>/33</a:t>
+              <a:t>/34</a:t>
             </a:r>
             <a:endParaRPr lang="ko-KR" altLang="en-US" dirty="0"/>
           </a:p>
@@ -13047,7 +13070,7 @@
       </p:sp>
       <p:sp>
         <p:nvSpPr>
-          <p:cNvPr id="2" name="슬라이드 번호 개체 틀 1"/>
+          <p:cNvPr id="3" name="슬라이드 번호 개체 틀 2"/>
           <p:cNvSpPr>
             <a:spLocks noGrp="1"/>
           </p:cNvSpPr>
@@ -13067,7 +13090,7 @@
             </a:fld>
             <a:r>
               <a:rPr lang="en-US" altLang="ko-KR" smtClean="0"/>
-              <a:t>/33</a:t>
+              <a:t>/34</a:t>
             </a:r>
             <a:endParaRPr lang="ko-KR" altLang="en-US" dirty="0"/>
           </a:p>
@@ -13600,7 +13623,7 @@
       </p:sp>
       <p:sp>
         <p:nvSpPr>
-          <p:cNvPr id="2" name="슬라이드 번호 개체 틀 1"/>
+          <p:cNvPr id="5" name="슬라이드 번호 개체 틀 4"/>
           <p:cNvSpPr>
             <a:spLocks noGrp="1"/>
           </p:cNvSpPr>
@@ -13620,7 +13643,7 @@
             </a:fld>
             <a:r>
               <a:rPr lang="en-US" altLang="ko-KR" smtClean="0"/>
-              <a:t>/33</a:t>
+              <a:t>/34</a:t>
             </a:r>
             <a:endParaRPr lang="ko-KR" altLang="en-US" dirty="0"/>
           </a:p>
@@ -14159,7 +14182,7 @@
       </p:sp>
       <p:sp>
         <p:nvSpPr>
-          <p:cNvPr id="2" name="슬라이드 번호 개체 틀 1"/>
+          <p:cNvPr id="3" name="슬라이드 번호 개체 틀 2"/>
           <p:cNvSpPr>
             <a:spLocks noGrp="1"/>
           </p:cNvSpPr>
@@ -14179,7 +14202,7 @@
             </a:fld>
             <a:r>
               <a:rPr lang="en-US" altLang="ko-KR" smtClean="0"/>
-              <a:t>/33</a:t>
+              <a:t>/34</a:t>
             </a:r>
             <a:endParaRPr lang="ko-KR" altLang="en-US" dirty="0"/>
           </a:p>
@@ -14566,7 +14589,7 @@
         <p:spPr>
           <a:xfrm>
             <a:off x="4909457" y="4945756"/>
-            <a:ext cx="1654629" cy="276999"/>
+            <a:ext cx="2550709" cy="276999"/>
           </a:xfrm>
           <a:prstGeom prst="rect">
             <a:avLst/>
@@ -14581,12 +14604,20 @@
           <a:p>
             <a:pPr algn="ctr"/>
             <a:r>
-              <a:rPr lang="ko-KR" altLang="en-US" sz="1200">
+              <a:rPr lang="en-US" altLang="ko-KR" sz="1200" dirty="0" smtClean="0">
                 <a:solidFill>
                   <a:srgbClr val="0000FF"/>
                 </a:solidFill>
               </a:rPr>
-              <a:t>진행하면서 수정 기입</a:t>
+              <a:t>Issue</a:t>
+            </a:r>
+            <a:r>
+              <a:rPr lang="ko-KR" altLang="en-US" sz="1200" dirty="0" smtClean="0">
+                <a:solidFill>
+                  <a:srgbClr val="0000FF"/>
+                </a:solidFill>
+              </a:rPr>
+              <a:t>가 완료되면서 자동 표기</a:t>
             </a:r>
             <a:endParaRPr lang="ko-KR" altLang="en-US" sz="1200" dirty="0">
               <a:solidFill>
@@ -14598,7 +14629,7 @@
       </p:sp>
       <p:sp>
         <p:nvSpPr>
-          <p:cNvPr id="2" name="슬라이드 번호 개체 틀 1"/>
+          <p:cNvPr id="5" name="슬라이드 번호 개체 틀 4"/>
           <p:cNvSpPr>
             <a:spLocks noGrp="1"/>
           </p:cNvSpPr>
@@ -14618,7 +14649,7 @@
             </a:fld>
             <a:r>
               <a:rPr lang="en-US" altLang="ko-KR" smtClean="0"/>
-              <a:t>/33</a:t>
+              <a:t>/34</a:t>
             </a:r>
             <a:endParaRPr lang="ko-KR" altLang="en-US" dirty="0"/>
           </a:p>
@@ -15140,7 +15171,7 @@
       </p:sp>
       <p:sp>
         <p:nvSpPr>
-          <p:cNvPr id="2" name="슬라이드 번호 개체 틀 1"/>
+          <p:cNvPr id="3" name="슬라이드 번호 개체 틀 2"/>
           <p:cNvSpPr>
             <a:spLocks noGrp="1"/>
           </p:cNvSpPr>
@@ -15160,7 +15191,7 @@
             </a:fld>
             <a:r>
               <a:rPr lang="en-US" altLang="ko-KR" smtClean="0"/>
-              <a:t>/33</a:t>
+              <a:t>/34</a:t>
             </a:r>
             <a:endParaRPr lang="ko-KR" altLang="en-US" dirty="0"/>
           </a:p>
@@ -15735,7 +15766,7 @@
       </p:sp>
       <p:sp>
         <p:nvSpPr>
-          <p:cNvPr id="2" name="슬라이드 번호 개체 틀 1"/>
+          <p:cNvPr id="3" name="슬라이드 번호 개체 틀 2"/>
           <p:cNvSpPr>
             <a:spLocks noGrp="1"/>
           </p:cNvSpPr>
@@ -15755,7 +15786,7 @@
             </a:fld>
             <a:r>
               <a:rPr lang="en-US" altLang="ko-KR" smtClean="0"/>
-              <a:t>/33</a:t>
+              <a:t>/34</a:t>
             </a:r>
             <a:endParaRPr lang="ko-KR" altLang="en-US" dirty="0"/>
           </a:p>
@@ -16421,7 +16452,7 @@
       </p:cxnSp>
       <p:sp>
         <p:nvSpPr>
-          <p:cNvPr id="2" name="슬라이드 번호 개체 틀 1"/>
+          <p:cNvPr id="3" name="슬라이드 번호 개체 틀 2"/>
           <p:cNvSpPr>
             <a:spLocks noGrp="1"/>
           </p:cNvSpPr>
@@ -16441,7 +16472,7 @@
             </a:fld>
             <a:r>
               <a:rPr lang="en-US" altLang="ko-KR" smtClean="0"/>
-              <a:t>/33</a:t>
+              <a:t>/34</a:t>
             </a:r>
             <a:endParaRPr lang="ko-KR" altLang="en-US" dirty="0"/>
           </a:p>
@@ -16880,7 +16911,7 @@
       </p:sp>
       <p:sp>
         <p:nvSpPr>
-          <p:cNvPr id="2" name="슬라이드 번호 개체 틀 1"/>
+          <p:cNvPr id="5" name="슬라이드 번호 개체 틀 4"/>
           <p:cNvSpPr>
             <a:spLocks noGrp="1"/>
           </p:cNvSpPr>
@@ -16900,7 +16931,7 @@
             </a:fld>
             <a:r>
               <a:rPr lang="en-US" altLang="ko-KR" smtClean="0"/>
-              <a:t>/33</a:t>
+              <a:t>/34</a:t>
             </a:r>
             <a:endParaRPr lang="ko-KR" altLang="en-US" dirty="0"/>
           </a:p>
@@ -17520,7 +17551,7 @@
       </p:cxnSp>
       <p:sp>
         <p:nvSpPr>
-          <p:cNvPr id="2" name="슬라이드 번호 개체 틀 1"/>
+          <p:cNvPr id="3" name="슬라이드 번호 개체 틀 2"/>
           <p:cNvSpPr>
             <a:spLocks noGrp="1"/>
           </p:cNvSpPr>
@@ -17540,7 +17571,7 @@
             </a:fld>
             <a:r>
               <a:rPr lang="en-US" altLang="ko-KR" smtClean="0"/>
-              <a:t>/33</a:t>
+              <a:t>/34</a:t>
             </a:r>
             <a:endParaRPr lang="ko-KR" altLang="en-US" dirty="0"/>
           </a:p>
@@ -18370,7 +18401,7 @@
       </p:cxnSp>
       <p:sp>
         <p:nvSpPr>
-          <p:cNvPr id="2" name="슬라이드 번호 개체 틀 1"/>
+          <p:cNvPr id="6" name="슬라이드 번호 개체 틀 5"/>
           <p:cNvSpPr>
             <a:spLocks noGrp="1"/>
           </p:cNvSpPr>
@@ -18390,7 +18421,7 @@
             </a:fld>
             <a:r>
               <a:rPr lang="en-US" altLang="ko-KR" smtClean="0"/>
-              <a:t>/33</a:t>
+              <a:t>/34</a:t>
             </a:r>
             <a:endParaRPr lang="ko-KR" altLang="en-US" dirty="0"/>
           </a:p>
@@ -19017,7 +19048,7 @@
       </p:cxnSp>
       <p:sp>
         <p:nvSpPr>
-          <p:cNvPr id="2" name="슬라이드 번호 개체 틀 1"/>
+          <p:cNvPr id="5" name="슬라이드 번호 개체 틀 4"/>
           <p:cNvSpPr>
             <a:spLocks noGrp="1"/>
           </p:cNvSpPr>
@@ -19037,7 +19068,7 @@
             </a:fld>
             <a:r>
               <a:rPr lang="en-US" altLang="ko-KR" smtClean="0"/>
-              <a:t>/33</a:t>
+              <a:t>/34</a:t>
             </a:r>
             <a:endParaRPr lang="ko-KR" altLang="en-US" dirty="0"/>
           </a:p>
@@ -19969,7 +20000,7 @@
       </p:cxnSp>
       <p:sp>
         <p:nvSpPr>
-          <p:cNvPr id="2" name="슬라이드 번호 개체 틀 1"/>
+          <p:cNvPr id="5" name="슬라이드 번호 개체 틀 4"/>
           <p:cNvSpPr>
             <a:spLocks noGrp="1"/>
           </p:cNvSpPr>
@@ -19989,7 +20020,7 @@
             </a:fld>
             <a:r>
               <a:rPr lang="en-US" altLang="ko-KR" smtClean="0"/>
-              <a:t>/33</a:t>
+              <a:t>/34</a:t>
             </a:r>
             <a:endParaRPr lang="ko-KR" altLang="en-US" dirty="0"/>
           </a:p>
@@ -20442,7 +20473,7 @@
       </p:cxnSp>
       <p:sp>
         <p:nvSpPr>
-          <p:cNvPr id="2" name="슬라이드 번호 개체 틀 1"/>
+          <p:cNvPr id="6" name="슬라이드 번호 개체 틀 5"/>
           <p:cNvSpPr>
             <a:spLocks noGrp="1"/>
           </p:cNvSpPr>
@@ -20462,7 +20493,7 @@
             </a:fld>
             <a:r>
               <a:rPr lang="en-US" altLang="ko-KR" smtClean="0"/>
-              <a:t>/33</a:t>
+              <a:t>/34</a:t>
             </a:r>
             <a:endParaRPr lang="ko-KR" altLang="en-US" dirty="0"/>
           </a:p>
@@ -20874,7 +20905,7 @@
       </p:cxnSp>
       <p:sp>
         <p:nvSpPr>
-          <p:cNvPr id="2" name="슬라이드 번호 개체 틀 1"/>
+          <p:cNvPr id="3" name="슬라이드 번호 개체 틀 2"/>
           <p:cNvSpPr>
             <a:spLocks noGrp="1"/>
           </p:cNvSpPr>
@@ -20894,7 +20925,7 @@
             </a:fld>
             <a:r>
               <a:rPr lang="en-US" altLang="ko-KR" smtClean="0"/>
-              <a:t>/33</a:t>
+              <a:t>/34</a:t>
             </a:r>
             <a:endParaRPr lang="ko-KR" altLang="en-US" dirty="0"/>
           </a:p>
@@ -20946,7 +20977,7 @@
         </p:nvSpPr>
         <p:spPr>
           <a:xfrm>
-            <a:off x="341787" y="1120545"/>
+            <a:off x="284637" y="1111020"/>
             <a:ext cx="8642350" cy="3953260"/>
           </a:xfrm>
           <a:prstGeom prst="rect">
@@ -21098,8 +21129,16 @@
           </a:lstStyle>
           <a:p>
             <a:r>
-              <a:rPr lang="ko-KR" altLang="en-US" dirty="0"/>
-              <a:t>기타 수정 확인 사항</a:t>
+              <a:rPr lang="ko-KR" altLang="en-US" dirty="0" smtClean="0"/>
+              <a:t>초기 화면 </a:t>
+            </a:r>
+            <a:r>
+              <a:rPr lang="en-US" altLang="ko-KR" dirty="0" smtClean="0"/>
+              <a:t>issue </a:t>
+            </a:r>
+            <a:r>
+              <a:rPr lang="ko-KR" altLang="en-US" dirty="0" smtClean="0"/>
+              <a:t>항목 확인</a:t>
             </a:r>
             <a:endParaRPr lang="en-US" altLang="ko-KR" dirty="0">
               <a:solidFill>
@@ -21109,91 +21148,18 @@
             </a:endParaRPr>
           </a:p>
           <a:p>
-            <a:pPr marL="266700" lvl="1" indent="0">
-              <a:buNone/>
-            </a:pPr>
-            <a:r>
-              <a:rPr lang="en-US" altLang="ko-KR" dirty="0">
+            <a:pPr lvl="1"/>
+            <a:r>
+              <a:rPr lang="en-US" altLang="ko-KR" dirty="0" smtClean="0">
                 <a:latin typeface="+mn-ea"/>
               </a:rPr>
-              <a:t>Assignee</a:t>
-            </a:r>
-            <a:r>
-              <a:rPr lang="ko-KR" altLang="en-US" dirty="0">
+              <a:t>Issue </a:t>
+            </a:r>
+            <a:r>
+              <a:rPr lang="ko-KR" altLang="en-US" dirty="0" smtClean="0">
                 <a:latin typeface="+mn-ea"/>
               </a:rPr>
-              <a:t>는 이슈당 한 명 지정 가능 </a:t>
-            </a:r>
-            <a:r>
-              <a:rPr lang="en-US" altLang="ko-KR" dirty="0">
-                <a:latin typeface="+mn-ea"/>
-              </a:rPr>
-              <a:t>: </a:t>
-            </a:r>
-            <a:r>
-              <a:rPr lang="ko-KR" altLang="en-US" dirty="0">
-                <a:latin typeface="+mn-ea"/>
-              </a:rPr>
-              <a:t>여러 명 가능으로 바뀜 </a:t>
-            </a:r>
-            <a:r>
-              <a:rPr lang="en-US" altLang="ko-KR" dirty="0">
-                <a:latin typeface="+mn-ea"/>
-              </a:rPr>
-              <a:t>(</a:t>
-            </a:r>
-            <a:r>
-              <a:rPr lang="ko-KR" altLang="en-US" dirty="0">
-                <a:latin typeface="+mn-ea"/>
-              </a:rPr>
-              <a:t>언제부터 바뀌었는지 모름</a:t>
-            </a:r>
-            <a:r>
-              <a:rPr lang="en-US" altLang="ko-KR" dirty="0">
-                <a:latin typeface="+mn-ea"/>
-              </a:rPr>
-              <a:t>)</a:t>
-            </a:r>
-          </a:p>
-          <a:p>
-            <a:pPr marL="266700" lvl="1" indent="0">
-              <a:buNone/>
-            </a:pPr>
-            <a:r>
-              <a:rPr lang="en-US" altLang="ko-KR" dirty="0">
-                <a:latin typeface="+mn-ea"/>
-              </a:rPr>
-              <a:t>Discussions</a:t>
-            </a:r>
-            <a:r>
-              <a:rPr lang="ko-KR" altLang="en-US" dirty="0">
-                <a:latin typeface="+mn-ea"/>
-              </a:rPr>
-              <a:t>의 차이 확인 필 </a:t>
-            </a:r>
-            <a:r>
-              <a:rPr lang="en-US" altLang="ko-KR" dirty="0">
-                <a:latin typeface="+mn-ea"/>
-              </a:rPr>
-              <a:t>: </a:t>
-            </a:r>
-            <a:r>
-              <a:rPr lang="ko-KR" altLang="en-US" dirty="0">
-                <a:latin typeface="+mn-ea"/>
-              </a:rPr>
-              <a:t>주제의 제한이 없음</a:t>
-            </a:r>
-            <a:r>
-              <a:rPr lang="en-US" altLang="ko-KR" dirty="0">
-                <a:latin typeface="+mn-ea"/>
-              </a:rPr>
-              <a:t>. </a:t>
-            </a:r>
-            <a:r>
-              <a:rPr lang="ko-KR" altLang="en-US" dirty="0">
-                <a:latin typeface="+mn-ea"/>
-              </a:rPr>
-              <a:t>이슈는 과제 위주로 진행</a:t>
+              <a:t>클릭</a:t>
             </a:r>
             <a:endParaRPr lang="en-US" altLang="ko-KR" dirty="0">
               <a:latin typeface="+mn-ea"/>
@@ -21226,7 +21192,7 @@
             <a:pPr marL="266700" lvl="1" indent="0">
               <a:buNone/>
             </a:pPr>
-            <a:endParaRPr lang="en-US" altLang="ko-KR" dirty="0">
+            <a:endParaRPr lang="en-US" altLang="ko-KR" sz="2400" dirty="0">
               <a:latin typeface="+mn-ea"/>
             </a:endParaRPr>
           </a:p>
@@ -21242,7 +21208,25 @@
             <a:pPr marL="266700" lvl="1" indent="0">
               <a:buNone/>
             </a:pPr>
-            <a:endParaRPr lang="en-US" altLang="ko-KR" dirty="0">
+            <a:r>
+              <a:rPr lang="en-US" altLang="ko-KR" dirty="0">
+                <a:latin typeface="+mn-ea"/>
+              </a:rPr>
+              <a:t> </a:t>
+            </a:r>
+            <a:r>
+              <a:rPr lang="en-US" altLang="ko-KR" dirty="0" smtClean="0">
+                <a:latin typeface="+mn-ea"/>
+              </a:rPr>
+              <a:t>       ① owner</a:t>
+            </a:r>
+            <a:r>
+              <a:rPr lang="ko-KR" altLang="en-US" dirty="0" smtClean="0">
+                <a:latin typeface="+mn-ea"/>
+              </a:rPr>
+              <a:t>가 생성한 이슈</a:t>
+            </a:r>
+            <a:endParaRPr lang="en-US" altLang="ko-KR" dirty="0" smtClean="0">
               <a:latin typeface="+mn-ea"/>
             </a:endParaRPr>
           </a:p>
@@ -21250,6 +21234,86 @@
             <a:pPr marL="266700" lvl="1" indent="0">
               <a:buNone/>
             </a:pPr>
+            <a:r>
+              <a:rPr lang="en-US" altLang="ko-KR" dirty="0">
+                <a:latin typeface="+mn-ea"/>
+              </a:rPr>
+              <a:t> </a:t>
+            </a:r>
+            <a:r>
+              <a:rPr lang="en-US" altLang="ko-KR" dirty="0" smtClean="0">
+                <a:latin typeface="+mn-ea"/>
+              </a:rPr>
+              <a:t>       ② </a:t>
+            </a:r>
+            <a:r>
+              <a:rPr lang="en-US" altLang="ko-KR" dirty="0" smtClean="0">
+                <a:latin typeface="+mn-ea"/>
+              </a:rPr>
+              <a:t>owner</a:t>
+            </a:r>
+            <a:r>
+              <a:rPr lang="ko-KR" altLang="en-US" dirty="0" smtClean="0">
+                <a:latin typeface="+mn-ea"/>
+              </a:rPr>
+              <a:t>가 </a:t>
+            </a:r>
+            <a:r>
+              <a:rPr lang="en-US" altLang="ko-KR" dirty="0" smtClean="0">
+                <a:latin typeface="+mn-ea"/>
+              </a:rPr>
+              <a:t>assign</a:t>
+            </a:r>
+            <a:r>
+              <a:rPr lang="ko-KR" altLang="en-US" dirty="0" smtClean="0">
+                <a:latin typeface="+mn-ea"/>
+              </a:rPr>
+              <a:t>된 이슈</a:t>
+            </a:r>
+            <a:endParaRPr lang="en-US" altLang="ko-KR" dirty="0" smtClean="0">
+              <a:latin typeface="+mn-ea"/>
+            </a:endParaRPr>
+          </a:p>
+          <a:p>
+            <a:pPr marL="266700" lvl="1" indent="0">
+              <a:buNone/>
+            </a:pPr>
+            <a:r>
+              <a:rPr lang="en-US" altLang="ko-KR" dirty="0">
+                <a:latin typeface="+mn-ea"/>
+              </a:rPr>
+              <a:t> </a:t>
+            </a:r>
+            <a:r>
+              <a:rPr lang="en-US" altLang="ko-KR" dirty="0" smtClean="0">
+                <a:latin typeface="+mn-ea"/>
+              </a:rPr>
+              <a:t>       </a:t>
+            </a:r>
+            <a:r>
+              <a:rPr lang="en-US" altLang="ko-KR" dirty="0" smtClean="0">
+                <a:latin typeface="+mn-ea"/>
+              </a:rPr>
+              <a:t>③ owner</a:t>
+            </a:r>
+            <a:r>
+              <a:rPr lang="ko-KR" altLang="en-US" dirty="0" smtClean="0">
+                <a:latin typeface="+mn-ea"/>
+              </a:rPr>
+              <a:t>를 </a:t>
+            </a:r>
+            <a:r>
+              <a:rPr lang="en-US" altLang="ko-KR" dirty="0" smtClean="0">
+                <a:latin typeface="+mn-ea"/>
+              </a:rPr>
+              <a:t>@mention</a:t>
+            </a:r>
+            <a:r>
+              <a:rPr lang="ko-KR" altLang="en-US" dirty="0" smtClean="0">
+                <a:latin typeface="+mn-ea"/>
+              </a:rPr>
+              <a:t>한 이슈</a:t>
+            </a:r>
             <a:endParaRPr lang="en-US" altLang="ko-KR" dirty="0">
               <a:latin typeface="+mn-ea"/>
             </a:endParaRPr>
@@ -21316,9 +21380,358 @@
           </a:p>
         </p:txBody>
       </p:sp>
-      <p:sp>
-        <p:nvSpPr>
-          <p:cNvPr id="2" name="슬라이드 번호 개체 틀 1"/>
+      <p:pic>
+        <p:nvPicPr>
+          <p:cNvPr id="3" name="그림 2"/>
+          <p:cNvPicPr>
+            <a:picLocks noChangeAspect="1"/>
+          </p:cNvPicPr>
+          <p:nvPr/>
+        </p:nvPicPr>
+        <p:blipFill>
+          <a:blip r:embed="rId3"/>
+          <a:stretch>
+            <a:fillRect/>
+          </a:stretch>
+        </p:blipFill>
+        <p:spPr>
+          <a:xfrm>
+            <a:off x="902110" y="1973225"/>
+            <a:ext cx="7010400" cy="1828800"/>
+          </a:xfrm>
+          <a:prstGeom prst="rect">
+            <a:avLst/>
+          </a:prstGeom>
+        </p:spPr>
+      </p:pic>
+      <p:sp>
+        <p:nvSpPr>
+          <p:cNvPr id="6" name="직사각형 5">
+            <a:extLst>
+              <a:ext uri="{FF2B5EF4-FFF2-40B4-BE49-F238E27FC236}">
+                <a16:creationId xmlns:a16="http://schemas.microsoft.com/office/drawing/2014/main" id="{C9740789-D020-48F0-BAB1-E0E26516A451}"/>
+              </a:ext>
+            </a:extLst>
+          </p:cNvPr>
+          <p:cNvSpPr/>
+          <p:nvPr/>
+        </p:nvSpPr>
+        <p:spPr>
+          <a:xfrm>
+            <a:off x="5233746" y="2085974"/>
+            <a:ext cx="519354" cy="367397"/>
+          </a:xfrm>
+          <a:prstGeom prst="rect">
+            <a:avLst/>
+          </a:prstGeom>
+          <a:noFill/>
+          <a:ln w="25400">
+            <a:solidFill>
+              <a:srgbClr val="FF0000"/>
+            </a:solidFill>
+          </a:ln>
+        </p:spPr>
+        <p:style>
+          <a:lnRef idx="2">
+            <a:schemeClr val="accent1">
+              <a:shade val="50000"/>
+            </a:schemeClr>
+          </a:lnRef>
+          <a:fillRef idx="1">
+            <a:schemeClr val="accent1"/>
+          </a:fillRef>
+          <a:effectRef idx="0">
+            <a:schemeClr val="accent1"/>
+          </a:effectRef>
+          <a:fontRef idx="minor">
+            <a:schemeClr val="lt1"/>
+          </a:fontRef>
+        </p:style>
+        <p:txBody>
+          <a:bodyPr rtlCol="0" anchor="ctr"/>
+          <a:lstStyle/>
+          <a:p>
+            <a:endParaRPr lang="ko-KR" altLang="en-US" b="1" dirty="0">
+              <a:solidFill>
+                <a:srgbClr val="0000FF"/>
+              </a:solidFill>
+            </a:endParaRPr>
+          </a:p>
+        </p:txBody>
+      </p:sp>
+      <p:cxnSp>
+        <p:nvCxnSpPr>
+          <p:cNvPr id="8" name="직선 화살표 연결선 7">
+            <a:extLst>
+              <a:ext uri="{FF2B5EF4-FFF2-40B4-BE49-F238E27FC236}">
+                <a16:creationId xmlns:a16="http://schemas.microsoft.com/office/drawing/2014/main" id="{21E021CD-F0D5-4036-BE00-19065572143C}"/>
+              </a:ext>
+            </a:extLst>
+          </p:cNvPr>
+          <p:cNvCxnSpPr>
+            <a:cxnSpLocks/>
+          </p:cNvCxnSpPr>
+          <p:nvPr/>
+        </p:nvCxnSpPr>
+        <p:spPr>
+          <a:xfrm>
+            <a:off x="1811111" y="1817144"/>
+            <a:ext cx="3422635" cy="316455"/>
+          </a:xfrm>
+          <a:prstGeom prst="straightConnector1">
+            <a:avLst/>
+          </a:prstGeom>
+          <a:ln w="19050">
+            <a:solidFill>
+              <a:srgbClr val="FF0000"/>
+            </a:solidFill>
+            <a:tailEnd type="triangle"/>
+          </a:ln>
+        </p:spPr>
+        <p:style>
+          <a:lnRef idx="1">
+            <a:schemeClr val="accent1"/>
+          </a:lnRef>
+          <a:fillRef idx="0">
+            <a:schemeClr val="accent1"/>
+          </a:fillRef>
+          <a:effectRef idx="0">
+            <a:schemeClr val="accent1"/>
+          </a:effectRef>
+          <a:fontRef idx="minor">
+            <a:schemeClr val="tx1"/>
+          </a:fontRef>
+        </p:style>
+      </p:cxnSp>
+      <p:sp>
+        <p:nvSpPr>
+          <p:cNvPr id="9" name="직사각형 8">
+            <a:extLst>
+              <a:ext uri="{FF2B5EF4-FFF2-40B4-BE49-F238E27FC236}">
+                <a16:creationId xmlns:a16="http://schemas.microsoft.com/office/drawing/2014/main" id="{C9740789-D020-48F0-BAB1-E0E26516A451}"/>
+              </a:ext>
+            </a:extLst>
+          </p:cNvPr>
+          <p:cNvSpPr/>
+          <p:nvPr/>
+        </p:nvSpPr>
+        <p:spPr>
+          <a:xfrm>
+            <a:off x="1811111" y="3285084"/>
+            <a:ext cx="1627414" cy="420141"/>
+          </a:xfrm>
+          <a:prstGeom prst="rect">
+            <a:avLst/>
+          </a:prstGeom>
+          <a:noFill/>
+          <a:ln w="19050">
+            <a:solidFill>
+              <a:srgbClr val="FF0000"/>
+            </a:solidFill>
+          </a:ln>
+        </p:spPr>
+        <p:style>
+          <a:lnRef idx="2">
+            <a:schemeClr val="accent1">
+              <a:shade val="50000"/>
+            </a:schemeClr>
+          </a:lnRef>
+          <a:fillRef idx="1">
+            <a:schemeClr val="accent1"/>
+          </a:fillRef>
+          <a:effectRef idx="0">
+            <a:schemeClr val="accent1"/>
+          </a:effectRef>
+          <a:fontRef idx="minor">
+            <a:schemeClr val="lt1"/>
+          </a:fontRef>
+        </p:style>
+        <p:txBody>
+          <a:bodyPr rtlCol="0" anchor="ctr"/>
+          <a:lstStyle/>
+          <a:p>
+            <a:endParaRPr lang="ko-KR" altLang="en-US" b="1" dirty="0">
+              <a:solidFill>
+                <a:srgbClr val="0000FF"/>
+              </a:solidFill>
+            </a:endParaRPr>
+          </a:p>
+        </p:txBody>
+      </p:sp>
+      <p:cxnSp>
+        <p:nvCxnSpPr>
+          <p:cNvPr id="10" name="직선 화살표 연결선 9">
+            <a:extLst>
+              <a:ext uri="{FF2B5EF4-FFF2-40B4-BE49-F238E27FC236}">
+                <a16:creationId xmlns:a16="http://schemas.microsoft.com/office/drawing/2014/main" id="{21E021CD-F0D5-4036-BE00-19065572143C}"/>
+              </a:ext>
+            </a:extLst>
+          </p:cNvPr>
+          <p:cNvCxnSpPr>
+            <a:cxnSpLocks/>
+          </p:cNvCxnSpPr>
+          <p:nvPr/>
+        </p:nvCxnSpPr>
+        <p:spPr>
+          <a:xfrm>
+            <a:off x="3438525" y="3606587"/>
+            <a:ext cx="1223452" cy="538094"/>
+          </a:xfrm>
+          <a:prstGeom prst="straightConnector1">
+            <a:avLst/>
+          </a:prstGeom>
+          <a:ln w="12700">
+            <a:solidFill>
+              <a:srgbClr val="FF0000"/>
+            </a:solidFill>
+            <a:tailEnd type="triangle"/>
+          </a:ln>
+        </p:spPr>
+        <p:style>
+          <a:lnRef idx="1">
+            <a:schemeClr val="accent1"/>
+          </a:lnRef>
+          <a:fillRef idx="0">
+            <a:schemeClr val="accent1"/>
+          </a:fillRef>
+          <a:effectRef idx="0">
+            <a:schemeClr val="accent1"/>
+          </a:effectRef>
+          <a:fontRef idx="minor">
+            <a:schemeClr val="tx1"/>
+          </a:fontRef>
+        </p:style>
+      </p:cxnSp>
+      <p:sp>
+        <p:nvSpPr>
+          <p:cNvPr id="11" name="직사각형 10"/>
+          <p:cNvSpPr/>
+          <p:nvPr/>
+        </p:nvSpPr>
+        <p:spPr>
+          <a:xfrm>
+            <a:off x="1656010" y="2929090"/>
+            <a:ext cx="2706439" cy="369332"/>
+          </a:xfrm>
+          <a:prstGeom prst="rect">
+            <a:avLst/>
+          </a:prstGeom>
+        </p:spPr>
+        <p:txBody>
+          <a:bodyPr wrap="square">
+            <a:spAutoFit/>
+          </a:bodyPr>
+          <a:lstStyle/>
+          <a:p>
+            <a:pPr marL="266700" lvl="1" indent="0">
+              <a:buNone/>
+            </a:pPr>
+            <a:r>
+              <a:rPr lang="en-US" altLang="ko-KR" dirty="0" smtClean="0">
+                <a:latin typeface="+mn-ea"/>
+              </a:rPr>
+              <a:t>①       ②        ③</a:t>
+            </a:r>
+            <a:endParaRPr lang="ko-KR" altLang="en-US" dirty="0"/>
+          </a:p>
+        </p:txBody>
+      </p:sp>
+      <p:sp>
+        <p:nvSpPr>
+          <p:cNvPr id="14" name="TextBox 13"/>
+          <p:cNvSpPr txBox="1"/>
+          <p:nvPr/>
+        </p:nvSpPr>
+        <p:spPr>
+          <a:xfrm>
+            <a:off x="4594489" y="4079455"/>
+            <a:ext cx="3299301" cy="584775"/>
+          </a:xfrm>
+          <a:prstGeom prst="rect">
+            <a:avLst/>
+          </a:prstGeom>
+          <a:noFill/>
+        </p:spPr>
+        <p:txBody>
+          <a:bodyPr wrap="none" rtlCol="0">
+            <a:spAutoFit/>
+          </a:bodyPr>
+          <a:lstStyle/>
+          <a:p>
+            <a:r>
+              <a:rPr lang="en-US" altLang="ko-KR" sz="1600" dirty="0">
+                <a:latin typeface="+mn-ea"/>
+              </a:rPr>
+              <a:t>Owner</a:t>
+            </a:r>
+            <a:r>
+              <a:rPr lang="ko-KR" altLang="en-US" sz="1600" dirty="0">
+                <a:latin typeface="+mn-ea"/>
+              </a:rPr>
+              <a:t>가 생성한 </a:t>
+            </a:r>
+            <a:r>
+              <a:rPr lang="en-US" altLang="ko-KR" sz="1600" dirty="0">
+                <a:latin typeface="+mn-ea"/>
+              </a:rPr>
+              <a:t>4</a:t>
+            </a:r>
+            <a:r>
+              <a:rPr lang="ko-KR" altLang="en-US" sz="1600" dirty="0">
+                <a:latin typeface="+mn-ea"/>
+              </a:rPr>
+              <a:t>개의 </a:t>
+            </a:r>
+            <a:r>
+              <a:rPr lang="en-US" altLang="ko-KR" sz="1600" dirty="0">
+                <a:latin typeface="+mn-ea"/>
+              </a:rPr>
+              <a:t>issue</a:t>
+            </a:r>
+            <a:r>
+              <a:rPr lang="ko-KR" altLang="en-US" sz="1600" dirty="0" smtClean="0">
+                <a:latin typeface="+mn-ea"/>
+              </a:rPr>
+              <a:t>중에</a:t>
+            </a:r>
+            <a:endParaRPr lang="en-US" altLang="ko-KR" sz="1600" dirty="0" smtClean="0">
+              <a:latin typeface="+mn-ea"/>
+            </a:endParaRPr>
+          </a:p>
+          <a:p>
+            <a:r>
+              <a:rPr lang="en-US" altLang="ko-KR" sz="1600" dirty="0" smtClean="0">
+                <a:latin typeface="+mn-ea"/>
+              </a:rPr>
+              <a:t>3</a:t>
+            </a:r>
+            <a:r>
+              <a:rPr lang="ko-KR" altLang="en-US" sz="1600" dirty="0">
+                <a:latin typeface="+mn-ea"/>
+              </a:rPr>
+              <a:t>개가 진행중이고</a:t>
+            </a:r>
+            <a:r>
+              <a:rPr lang="en-US" altLang="ko-KR" sz="1600" dirty="0">
+                <a:latin typeface="+mn-ea"/>
+              </a:rPr>
+              <a:t>, </a:t>
+            </a:r>
+            <a:r>
+              <a:rPr lang="ko-KR" altLang="en-US" sz="1600" dirty="0">
+                <a:latin typeface="+mn-ea"/>
+              </a:rPr>
+              <a:t>한 개가 완료됨</a:t>
+            </a:r>
+            <a:endParaRPr lang="ko-KR" altLang="en-US" sz="1600" dirty="0">
+              <a:latin typeface="+mn-ea"/>
+            </a:endParaRPr>
+          </a:p>
+        </p:txBody>
+      </p:sp>
+      <p:sp>
+        <p:nvSpPr>
+          <p:cNvPr id="15" name="슬라이드 번호 개체 틀 14"/>
           <p:cNvSpPr>
             <a:spLocks noGrp="1"/>
           </p:cNvSpPr>
@@ -21338,7 +21751,7 @@
             </a:fld>
             <a:r>
               <a:rPr lang="en-US" altLang="ko-KR" smtClean="0"/>
-              <a:t>/33</a:t>
+              <a:t>/34</a:t>
             </a:r>
             <a:endParaRPr lang="ko-KR" altLang="en-US" dirty="0"/>
           </a:p>
@@ -22124,7 +22537,7 @@
       </p:sp>
       <p:sp>
         <p:nvSpPr>
-          <p:cNvPr id="2" name="슬라이드 번호 개체 틀 1"/>
+          <p:cNvPr id="3" name="슬라이드 번호 개체 틀 2"/>
           <p:cNvSpPr>
             <a:spLocks noGrp="1"/>
           </p:cNvSpPr>
@@ -22144,7 +22557,7 @@
             </a:fld>
             <a:r>
               <a:rPr lang="en-US" altLang="ko-KR" smtClean="0"/>
-              <a:t>/33</a:t>
+              <a:t>/34</a:t>
             </a:r>
             <a:endParaRPr lang="ko-KR" altLang="en-US" dirty="0"/>
           </a:p>
@@ -22644,7 +23057,7 @@
       </p:sp>
       <p:sp>
         <p:nvSpPr>
-          <p:cNvPr id="2" name="슬라이드 번호 개체 틀 1"/>
+          <p:cNvPr id="5" name="슬라이드 번호 개체 틀 4"/>
           <p:cNvSpPr>
             <a:spLocks noGrp="1"/>
           </p:cNvSpPr>
@@ -22664,7 +23077,7 @@
             </a:fld>
             <a:r>
               <a:rPr lang="en-US" altLang="ko-KR" smtClean="0"/>
-              <a:t>/33</a:t>
+              <a:t>/34</a:t>
             </a:r>
             <a:endParaRPr lang="ko-KR" altLang="en-US" dirty="0"/>
           </a:p>
@@ -22963,7 +23376,7 @@
       </p:sp>
       <p:sp>
         <p:nvSpPr>
-          <p:cNvPr id="2" name="슬라이드 번호 개체 틀 1"/>
+          <p:cNvPr id="3" name="슬라이드 번호 개체 틀 2"/>
           <p:cNvSpPr>
             <a:spLocks noGrp="1"/>
           </p:cNvSpPr>
@@ -22983,7 +23396,7 @@
             </a:fld>
             <a:r>
               <a:rPr lang="en-US" altLang="ko-KR" smtClean="0"/>
-              <a:t>/33</a:t>
+              <a:t>/34</a:t>
             </a:r>
             <a:endParaRPr lang="ko-KR" altLang="en-US" dirty="0"/>
           </a:p>
@@ -23588,7 +24001,7 @@
       </p:sp>
       <p:sp>
         <p:nvSpPr>
-          <p:cNvPr id="2" name="슬라이드 번호 개체 틀 1"/>
+          <p:cNvPr id="5" name="슬라이드 번호 개체 틀 4"/>
           <p:cNvSpPr>
             <a:spLocks noGrp="1"/>
           </p:cNvSpPr>
@@ -23608,7 +24021,7 @@
             </a:fld>
             <a:r>
               <a:rPr lang="en-US" altLang="ko-KR" smtClean="0"/>
-              <a:t>/33</a:t>
+              <a:t>/34</a:t>
             </a:r>
             <a:endParaRPr lang="ko-KR" altLang="en-US" dirty="0"/>
           </a:p>
@@ -23816,30 +24229,48 @@
               <a:t>Issue Track </a:t>
             </a:r>
             <a:r>
-              <a:rPr lang="ko-KR" altLang="en-US" dirty="0"/>
+              <a:rPr lang="ko-KR" altLang="en-US" dirty="0" smtClean="0"/>
               <a:t>목적</a:t>
             </a:r>
             <a:endParaRPr lang="en-US" altLang="ko-KR" dirty="0"/>
           </a:p>
           <a:p>
             <a:pPr lvl="1"/>
+            <a:r>
+              <a:rPr lang="ko-KR" altLang="en-US" dirty="0" smtClean="0">
+                <a:latin typeface="+mn-ea"/>
+              </a:rPr>
+              <a:t>아이디어</a:t>
+            </a:r>
+            <a:r>
+              <a:rPr lang="en-US" altLang="ko-KR" dirty="0" smtClean="0">
+                <a:latin typeface="+mn-ea"/>
+              </a:rPr>
+              <a:t>, </a:t>
+            </a:r>
+            <a:r>
+              <a:rPr lang="ko-KR" altLang="en-US" dirty="0" smtClean="0">
+                <a:latin typeface="+mn-ea"/>
+              </a:rPr>
+              <a:t>과제</a:t>
+            </a:r>
+            <a:r>
+              <a:rPr lang="en-US" altLang="ko-KR" dirty="0" smtClean="0">
+                <a:latin typeface="+mn-ea"/>
+              </a:rPr>
+              <a:t>, Bug </a:t>
+            </a:r>
+            <a:r>
+              <a:rPr lang="ko-KR" altLang="en-US" dirty="0" smtClean="0">
+                <a:latin typeface="+mn-ea"/>
+              </a:rPr>
+              <a:t>추적 등의 기록과 의견 교환을 </a:t>
+            </a:r>
             <a:r>
               <a:rPr lang="ko-KR" altLang="en-US" dirty="0">
                 <a:latin typeface="+mn-ea"/>
               </a:rPr>
-              <a:t>최초 </a:t>
-            </a:r>
-            <a:r>
-              <a:rPr lang="en-US" altLang="ko-KR" dirty="0">
-                <a:latin typeface="+mn-ea"/>
-              </a:rPr>
-              <a:t>Bug </a:t>
-            </a:r>
-            <a:r>
-              <a:rPr lang="ko-KR" altLang="en-US" dirty="0">
-                <a:latin typeface="+mn-ea"/>
-              </a:rPr>
-              <a:t>추적을 목적으로 사용</a:t>
+              <a:t>목적으로 사용</a:t>
             </a:r>
             <a:endParaRPr lang="en-US" altLang="ko-KR" dirty="0">
               <a:latin typeface="+mn-ea"/>
@@ -23848,10 +24279,55 @@
           <a:p>
             <a:pPr lvl="1"/>
             <a:r>
-              <a:rPr lang="ko-KR" altLang="en-US" dirty="0">
+              <a:rPr lang="en-US" altLang="ko-KR" dirty="0" smtClean="0">
                 <a:latin typeface="+mn-ea"/>
               </a:rPr>
-              <a:t>과제 진행중 발생되는 모든 요청 사항 기입</a:t>
+              <a:t>Email</a:t>
+            </a:r>
+            <a:r>
+              <a:rPr lang="ko-KR" altLang="en-US" dirty="0" smtClean="0">
+                <a:latin typeface="+mn-ea"/>
+              </a:rPr>
+              <a:t>사용 대체</a:t>
+            </a:r>
+            <a:r>
+              <a:rPr lang="en-US" altLang="ko-KR" dirty="0" smtClean="0">
+                <a:latin typeface="+mn-ea"/>
+              </a:rPr>
+              <a:t>, </a:t>
+            </a:r>
+            <a:r>
+              <a:rPr lang="ko-KR" altLang="en-US" dirty="0" smtClean="0">
+                <a:latin typeface="+mn-ea"/>
+              </a:rPr>
+              <a:t>팀원 누구나 완료할 수 있음</a:t>
+            </a:r>
+            <a:r>
+              <a:rPr lang="en-US" altLang="ko-KR" dirty="0" smtClean="0">
+                <a:latin typeface="+mn-ea"/>
+              </a:rPr>
+              <a:t>.</a:t>
+            </a:r>
+          </a:p>
+          <a:p>
+            <a:pPr lvl="1"/>
+            <a:r>
+              <a:rPr lang="ko-KR" altLang="en-US" dirty="0" smtClean="0">
+                <a:latin typeface="+mn-ea"/>
+              </a:rPr>
+              <a:t>누구든지 관련 있는 사람들을 끌어 들일 수 있음</a:t>
+            </a:r>
+            <a:r>
+              <a:rPr lang="en-US" altLang="ko-KR" dirty="0">
+                <a:latin typeface="+mn-ea"/>
+              </a:rPr>
+              <a:t> </a:t>
+            </a:r>
+            <a:r>
+              <a:rPr lang="en-US" altLang="ko-KR" dirty="0" smtClean="0">
+                <a:latin typeface="+mn-ea"/>
+              </a:rPr>
+              <a:t>(@mentions)</a:t>
             </a:r>
             <a:endParaRPr lang="en-US" altLang="ko-KR" dirty="0">
               <a:latin typeface="+mn-ea"/>
@@ -23859,24 +24335,6 @@
           </a:p>
           <a:p>
             <a:pPr lvl="1"/>
-            <a:r>
-              <a:rPr lang="ko-KR" altLang="en-US" dirty="0">
-                <a:latin typeface="+mn-ea"/>
-              </a:rPr>
-              <a:t>토론의 장</a:t>
-            </a:r>
-            <a:endParaRPr lang="en-US" altLang="ko-KR" dirty="0">
-              <a:latin typeface="+mn-ea"/>
-            </a:endParaRPr>
-          </a:p>
-          <a:p>
-            <a:pPr lvl="1"/>
-            <a:r>
-              <a:rPr lang="ko-KR" altLang="en-US" dirty="0">
-                <a:latin typeface="+mn-ea"/>
-              </a:rPr>
-              <a:t>기타 기록 정리</a:t>
-            </a:r>
             <a:endParaRPr lang="en-US" altLang="ko-KR" dirty="0">
               <a:latin typeface="+mn-ea"/>
             </a:endParaRPr>
@@ -24228,7 +24686,7 @@
       </p:cxnSp>
       <p:sp>
         <p:nvSpPr>
-          <p:cNvPr id="2" name="슬라이드 번호 개체 틀 1"/>
+          <p:cNvPr id="3" name="슬라이드 번호 개체 틀 2"/>
           <p:cNvSpPr>
             <a:spLocks noGrp="1"/>
           </p:cNvSpPr>
@@ -24248,7 +24706,7 @@
             </a:fld>
             <a:r>
               <a:rPr lang="en-US" altLang="ko-KR" smtClean="0"/>
-              <a:t>/33</a:t>
+              <a:t>/34</a:t>
             </a:r>
             <a:endParaRPr lang="ko-KR" altLang="en-US" dirty="0"/>
           </a:p>
@@ -24867,7 +25325,7 @@
       </p:cxnSp>
       <p:sp>
         <p:nvSpPr>
-          <p:cNvPr id="3" name="슬라이드 번호 개체 틀 2"/>
+          <p:cNvPr id="9" name="슬라이드 번호 개체 틀 8"/>
           <p:cNvSpPr>
             <a:spLocks noGrp="1"/>
           </p:cNvSpPr>
@@ -24887,7 +25345,7 @@
             </a:fld>
             <a:r>
               <a:rPr lang="en-US" altLang="ko-KR" smtClean="0"/>
-              <a:t>/33</a:t>
+              <a:t>/34</a:t>
             </a:r>
             <a:endParaRPr lang="ko-KR" altLang="en-US" dirty="0"/>
           </a:p>
